--- a/report/slide.pptx
+++ b/report/slide.pptx
@@ -227,7 +227,7 @@
           <a:p>
             <a:fld id="{48B45424-6BAC-416C-8F6C-5F9DE854A36B}" type="datetimeFigureOut">
               <a:rPr lang="en-US" smtClean="0"/>
-              <a:t>12/29/2024</a:t>
+              <a:t>1/3/2025</a:t>
             </a:fld>
             <a:endParaRPr lang="en-US"/>
           </a:p>
@@ -405,7 +405,7 @@
           <a:p>
             <a:fld id="{6B733702-C25A-40B9-9167-54BAA79B29B0}" type="datetimeFigureOut">
               <a:rPr lang="en-US" smtClean="0"/>
-              <a:t>12/29/2024</a:t>
+              <a:t>1/3/2025</a:t>
             </a:fld>
             <a:endParaRPr lang="en-US"/>
           </a:p>
@@ -989,7 +989,7 @@
             <a:fld id="{F70EAA40-3A53-4A3D-924A-D38F1059C7D5}" type="datetime1">
               <a:rPr lang="en-US" smtClean="0"/>
               <a:pPr/>
-              <a:t>12/29/2024</a:t>
+              <a:t>1/3/2025</a:t>
             </a:fld>
             <a:endParaRPr lang="en-US"/>
           </a:p>
@@ -1473,7 +1473,7 @@
             <a:fld id="{F70EAA40-3A53-4A3D-924A-D38F1059C7D5}" type="datetime1">
               <a:rPr lang="en-US" smtClean="0"/>
               <a:pPr/>
-              <a:t>12/29/2024</a:t>
+              <a:t>1/3/2025</a:t>
             </a:fld>
             <a:endParaRPr lang="en-US"/>
           </a:p>
@@ -1661,7 +1661,7 @@
             <a:fld id="{F70EAA40-3A53-4A3D-924A-D38F1059C7D5}" type="datetime1">
               <a:rPr lang="en-US" smtClean="0"/>
               <a:pPr/>
-              <a:t>12/29/2024</a:t>
+              <a:t>1/3/2025</a:t>
             </a:fld>
             <a:endParaRPr lang="en-US"/>
           </a:p>
@@ -2542,31 +2542,6 @@
           </a:p>
         </p:txBody>
       </p:sp>
-      <p:sp>
-        <p:nvSpPr>
-          <p:cNvPr id="4" name="Text Placeholder 3">
-            <a:extLst>
-              <a:ext uri="{FF2B5EF4-FFF2-40B4-BE49-F238E27FC236}">
-                <a16:creationId xmlns:a16="http://schemas.microsoft.com/office/drawing/2014/main" id="{9240ABCB-0BDA-7AAB-8673-62BAC7F0D5B5}"/>
-              </a:ext>
-            </a:extLst>
-          </p:cNvPr>
-          <p:cNvSpPr>
-            <a:spLocks noGrp="1"/>
-          </p:cNvSpPr>
-          <p:nvPr>
-            <p:ph type="body" sz="quarter" idx="13"/>
-          </p:nvPr>
-        </p:nvSpPr>
-        <p:spPr/>
-        <p:txBody>
-          <a:bodyPr/>
-          <a:lstStyle/>
-          <a:p>
-            <a:endParaRPr lang="en-US"/>
-          </a:p>
-        </p:txBody>
-      </p:sp>
       <p:pic>
         <p:nvPicPr>
           <p:cNvPr id="7" name="Picture 6" descr="A diagram of a medical organization&#10;&#10;Description automatically generated">
@@ -2694,31 +2669,6 @@
               <a:rPr lang="en-US"/>
               <a:t>3.3. Tính trừu tượng</a:t>
             </a:r>
-          </a:p>
-        </p:txBody>
-      </p:sp>
-      <p:sp>
-        <p:nvSpPr>
-          <p:cNvPr id="4" name="Text Placeholder 3">
-            <a:extLst>
-              <a:ext uri="{FF2B5EF4-FFF2-40B4-BE49-F238E27FC236}">
-                <a16:creationId xmlns:a16="http://schemas.microsoft.com/office/drawing/2014/main" id="{ACE683EB-922D-A796-C5CE-160D04157C44}"/>
-              </a:ext>
-            </a:extLst>
-          </p:cNvPr>
-          <p:cNvSpPr>
-            <a:spLocks noGrp="1"/>
-          </p:cNvSpPr>
-          <p:nvPr>
-            <p:ph type="body" sz="quarter" idx="13"/>
-          </p:nvPr>
-        </p:nvSpPr>
-        <p:spPr/>
-        <p:txBody>
-          <a:bodyPr/>
-          <a:lstStyle/>
-          <a:p>
-            <a:endParaRPr lang="en-US"/>
           </a:p>
         </p:txBody>
       </p:sp>
@@ -3867,7 +3817,49 @@
           <a:bodyPr/>
           <a:lstStyle/>
           <a:p>
+            <a:r>
+              <a:rPr lang="en-US" b="1"/>
+              <a:t>Mục tiêu và phạm vi</a:t>
+            </a:r>
+            <a:r>
+              <a:rPr lang="en-US"/>
+              <a:t>: Xây dựng hệ thống quản lý bệnh viện với các chức năng</a:t>
+            </a:r>
+          </a:p>
+          <a:p>
+            <a:pPr lvl="1"/>
+            <a:r>
+              <a:rPr lang="en-US"/>
+              <a:t>Quản lý thông tin cá nhân bác sỹ.</a:t>
+            </a:r>
+          </a:p>
+          <a:p>
+            <a:pPr lvl="1"/>
+            <a:r>
+              <a:rPr lang="en-US"/>
+              <a:t>Quản lý thông tin và lịch sử khám của bệnh nhân.</a:t>
+            </a:r>
+          </a:p>
+          <a:p>
+            <a:pPr lvl="1"/>
+            <a:r>
+              <a:rPr lang="en-US"/>
+              <a:t>Quản lý, cập nhật hồ sơ bệnh án và viện phí.</a:t>
+            </a:r>
+          </a:p>
+          <a:p>
+            <a:pPr lvl="1"/>
             <a:endParaRPr lang="en-US"/>
+          </a:p>
+          <a:p>
+            <a:r>
+              <a:rPr lang="en-US" b="1"/>
+              <a:t>Đối tượng sử dụng</a:t>
+            </a:r>
+            <a:r>
+              <a:rPr lang="en-US"/>
+              <a:t>: Người quản trị và bác sỹ của các bệnh viện, phòng khám, trung tâm y tế tư nhân.</a:t>
+            </a:r>
           </a:p>
         </p:txBody>
       </p:sp>
@@ -4386,31 +4378,6 @@
           </a:p>
         </p:txBody>
       </p:sp>
-      <p:sp>
-        <p:nvSpPr>
-          <p:cNvPr id="4" name="Text Placeholder 3">
-            <a:extLst>
-              <a:ext uri="{FF2B5EF4-FFF2-40B4-BE49-F238E27FC236}">
-                <a16:creationId xmlns:a16="http://schemas.microsoft.com/office/drawing/2014/main" id="{A3B41FC8-9802-04C8-FB55-E3E353D9AD88}"/>
-              </a:ext>
-            </a:extLst>
-          </p:cNvPr>
-          <p:cNvSpPr>
-            <a:spLocks noGrp="1"/>
-          </p:cNvSpPr>
-          <p:nvPr>
-            <p:ph type="body" sz="quarter" idx="13"/>
-          </p:nvPr>
-        </p:nvSpPr>
-        <p:spPr/>
-        <p:txBody>
-          <a:bodyPr/>
-          <a:lstStyle/>
-          <a:p>
-            <a:endParaRPr lang="en-US"/>
-          </a:p>
-        </p:txBody>
-      </p:sp>
       <p:pic>
         <p:nvPicPr>
           <p:cNvPr id="9" name="Graphic 8">
@@ -4675,31 +4642,6 @@
               <a:rPr lang="en-US"/>
               <a:t>3.1. Tính đóng gói</a:t>
             </a:r>
-          </a:p>
-        </p:txBody>
-      </p:sp>
-      <p:sp>
-        <p:nvSpPr>
-          <p:cNvPr id="4" name="Text Placeholder 3">
-            <a:extLst>
-              <a:ext uri="{FF2B5EF4-FFF2-40B4-BE49-F238E27FC236}">
-                <a16:creationId xmlns:a16="http://schemas.microsoft.com/office/drawing/2014/main" id="{DC77BC27-BA1D-9C03-67E6-2D458AF61DA6}"/>
-              </a:ext>
-            </a:extLst>
-          </p:cNvPr>
-          <p:cNvSpPr>
-            <a:spLocks noGrp="1"/>
-          </p:cNvSpPr>
-          <p:nvPr>
-            <p:ph type="body" sz="quarter" idx="13"/>
-          </p:nvPr>
-        </p:nvSpPr>
-        <p:spPr/>
-        <p:txBody>
-          <a:bodyPr/>
-          <a:lstStyle/>
-          <a:p>
-            <a:endParaRPr lang="en-US"/>
           </a:p>
         </p:txBody>
       </p:sp>

--- a/report/slide.pptx
+++ b/report/slide.pptx
@@ -3844,7 +3844,7 @@
             <a:pPr lvl="1"/>
             <a:r>
               <a:rPr lang="en-US"/>
-              <a:t>Quản lý, cập nhật hồ sơ bệnh án và viện phí.</a:t>
+              <a:t>Quản lý, cập nhật hồ sơ bệnh án, lịch khám, phác đồ điều trị và viện phí.</a:t>
             </a:r>
           </a:p>
           <a:p>

--- a/report/slide.pptx
+++ b/report/slide.pptx
@@ -5,28 +5,29 @@
     <p:sldMasterId id="2147483658" r:id="rId1"/>
   </p:sldMasterIdLst>
   <p:notesMasterIdLst>
-    <p:notesMasterId r:id="rId18"/>
+    <p:notesMasterId r:id="rId19"/>
   </p:notesMasterIdLst>
   <p:handoutMasterIdLst>
-    <p:handoutMasterId r:id="rId19"/>
+    <p:handoutMasterId r:id="rId20"/>
   </p:handoutMasterIdLst>
   <p:sldIdLst>
     <p:sldId id="257" r:id="rId2"/>
     <p:sldId id="267" r:id="rId3"/>
-    <p:sldId id="266" r:id="rId4"/>
-    <p:sldId id="276" r:id="rId5"/>
-    <p:sldId id="271" r:id="rId6"/>
-    <p:sldId id="275" r:id="rId7"/>
-    <p:sldId id="278" r:id="rId8"/>
-    <p:sldId id="272" r:id="rId9"/>
-    <p:sldId id="277" r:id="rId10"/>
-    <p:sldId id="280" r:id="rId11"/>
-    <p:sldId id="281" r:id="rId12"/>
-    <p:sldId id="282" r:id="rId13"/>
-    <p:sldId id="273" r:id="rId14"/>
-    <p:sldId id="279" r:id="rId15"/>
-    <p:sldId id="274" r:id="rId16"/>
-    <p:sldId id="269" r:id="rId17"/>
+    <p:sldId id="283" r:id="rId4"/>
+    <p:sldId id="266" r:id="rId5"/>
+    <p:sldId id="276" r:id="rId6"/>
+    <p:sldId id="271" r:id="rId7"/>
+    <p:sldId id="275" r:id="rId8"/>
+    <p:sldId id="278" r:id="rId9"/>
+    <p:sldId id="273" r:id="rId10"/>
+    <p:sldId id="279" r:id="rId11"/>
+    <p:sldId id="272" r:id="rId12"/>
+    <p:sldId id="277" r:id="rId13"/>
+    <p:sldId id="280" r:id="rId14"/>
+    <p:sldId id="281" r:id="rId15"/>
+    <p:sldId id="282" r:id="rId16"/>
+    <p:sldId id="274" r:id="rId17"/>
+    <p:sldId id="269" r:id="rId18"/>
   </p:sldIdLst>
   <p:sldSz cx="9144000" cy="6858000" type="screen4x3"/>
   <p:notesSz cx="6858000" cy="9144000"/>
@@ -741,7 +742,7 @@
           <a:p>
             <a:fld id="{AB2FC7A4-3D1B-482D-8C9D-7642A2CE3076}" type="slidenum">
               <a:rPr lang="en-US" smtClean="0"/>
-              <a:t>11</a:t>
+              <a:t>14</a:t>
             </a:fld>
             <a:endParaRPr lang="en-US"/>
           </a:p>
@@ -852,7 +853,7 @@
           <a:p>
             <a:fld id="{AB2FC7A4-3D1B-482D-8C9D-7642A2CE3076}" type="slidenum">
               <a:rPr lang="en-US" smtClean="0"/>
-              <a:t>12</a:t>
+              <a:t>15</a:t>
             </a:fld>
             <a:endParaRPr lang="en-US"/>
           </a:p>
@@ -2469,636 +2470,6 @@
         <p:cNvPr id="1" name="">
           <a:extLst>
             <a:ext uri="{FF2B5EF4-FFF2-40B4-BE49-F238E27FC236}">
-              <a16:creationId xmlns:a16="http://schemas.microsoft.com/office/drawing/2014/main" id="{A84766F1-B74B-544A-2D11-5EBC7E713FC5}"/>
-            </a:ext>
-          </a:extLst>
-        </p:cNvPr>
-        <p:cNvGrpSpPr/>
-        <p:nvPr/>
-      </p:nvGrpSpPr>
-      <p:grpSpPr>
-        <a:xfrm>
-          <a:off x="0" y="0"/>
-          <a:ext cx="0" cy="0"/>
-          <a:chOff x="0" y="0"/>
-          <a:chExt cx="0" cy="0"/>
-        </a:xfrm>
-      </p:grpSpPr>
-      <p:sp>
-        <p:nvSpPr>
-          <p:cNvPr id="2" name="Slide Number Placeholder 1">
-            <a:extLst>
-              <a:ext uri="{FF2B5EF4-FFF2-40B4-BE49-F238E27FC236}">
-                <a16:creationId xmlns:a16="http://schemas.microsoft.com/office/drawing/2014/main" id="{94C509E3-0EB7-C9BB-8EDA-D8B633F0426E}"/>
-              </a:ext>
-            </a:extLst>
-          </p:cNvPr>
-          <p:cNvSpPr>
-            <a:spLocks noGrp="1"/>
-          </p:cNvSpPr>
-          <p:nvPr>
-            <p:ph type="sldNum" sz="quarter" idx="12"/>
-          </p:nvPr>
-        </p:nvSpPr>
-        <p:spPr/>
-        <p:txBody>
-          <a:bodyPr/>
-          <a:lstStyle/>
-          <a:p>
-            <a:fld id="{9EA0BE3B-158A-4EDF-80DC-E394A0D1600F}" type="slidenum">
-              <a:rPr lang="en-US" smtClean="0"/>
-              <a:pPr/>
-              <a:t>10</a:t>
-            </a:fld>
-            <a:endParaRPr lang="en-US" dirty="0"/>
-          </a:p>
-        </p:txBody>
-      </p:sp>
-      <p:sp>
-        <p:nvSpPr>
-          <p:cNvPr id="3" name="Title 2">
-            <a:extLst>
-              <a:ext uri="{FF2B5EF4-FFF2-40B4-BE49-F238E27FC236}">
-                <a16:creationId xmlns:a16="http://schemas.microsoft.com/office/drawing/2014/main" id="{A50CF4C2-F839-E96A-F375-1002A0E3D84F}"/>
-              </a:ext>
-            </a:extLst>
-          </p:cNvPr>
-          <p:cNvSpPr>
-            <a:spLocks noGrp="1"/>
-          </p:cNvSpPr>
-          <p:nvPr>
-            <p:ph type="title"/>
-          </p:nvPr>
-        </p:nvSpPr>
-        <p:spPr/>
-        <p:txBody>
-          <a:bodyPr/>
-          <a:lstStyle/>
-          <a:p>
-            <a:r>
-              <a:rPr lang="en-US"/>
-              <a:t>3.2. Tính kế thừa</a:t>
-            </a:r>
-          </a:p>
-        </p:txBody>
-      </p:sp>
-      <p:pic>
-        <p:nvPicPr>
-          <p:cNvPr id="7" name="Picture 6" descr="A diagram of a medical organization&#10;&#10;Description automatically generated">
-            <a:extLst>
-              <a:ext uri="{FF2B5EF4-FFF2-40B4-BE49-F238E27FC236}">
-                <a16:creationId xmlns:a16="http://schemas.microsoft.com/office/drawing/2014/main" id="{252D0B9E-5269-2A36-DB98-89FF32E68A8B}"/>
-              </a:ext>
-            </a:extLst>
-          </p:cNvPr>
-          <p:cNvPicPr>
-            <a:picLocks noChangeAspect="1"/>
-          </p:cNvPicPr>
-          <p:nvPr/>
-        </p:nvPicPr>
-        <p:blipFill>
-          <a:blip r:embed="rId2">
-            <a:extLst>
-              <a:ext uri="{28A0092B-C50C-407E-A947-70E740481C1C}">
-                <a14:useLocalDpi xmlns:a14="http://schemas.microsoft.com/office/drawing/2010/main" val="0"/>
-              </a:ext>
-            </a:extLst>
-          </a:blip>
-          <a:stretch>
-            <a:fillRect/>
-          </a:stretch>
-        </p:blipFill>
-        <p:spPr>
-          <a:xfrm>
-            <a:off x="1996751" y="1390445"/>
-            <a:ext cx="5150498" cy="4077110"/>
-          </a:xfrm>
-          <a:prstGeom prst="rect">
-            <a:avLst/>
-          </a:prstGeom>
-        </p:spPr>
-      </p:pic>
-    </p:spTree>
-    <p:extLst>
-      <p:ext uri="{BB962C8B-B14F-4D97-AF65-F5344CB8AC3E}">
-        <p14:creationId xmlns:p14="http://schemas.microsoft.com/office/powerpoint/2010/main" val="2798130807"/>
-      </p:ext>
-    </p:extLst>
-  </p:cSld>
-  <p:clrMapOvr>
-    <a:masterClrMapping/>
-  </p:clrMapOvr>
-</p:sld>
-</file>
-
-<file path=ppt/slides/slide11.xml><?xml version="1.0" encoding="utf-8"?>
-<p:sld xmlns:a="http://schemas.openxmlformats.org/drawingml/2006/main" xmlns:r="http://schemas.openxmlformats.org/officeDocument/2006/relationships" xmlns:p="http://schemas.openxmlformats.org/presentationml/2006/main">
-  <p:cSld>
-    <p:spTree>
-      <p:nvGrpSpPr>
-        <p:cNvPr id="1" name="">
-          <a:extLst>
-            <a:ext uri="{FF2B5EF4-FFF2-40B4-BE49-F238E27FC236}">
-              <a16:creationId xmlns:a16="http://schemas.microsoft.com/office/drawing/2014/main" id="{B96DCE81-05AE-065E-4CED-B8E464A4FEAF}"/>
-            </a:ext>
-          </a:extLst>
-        </p:cNvPr>
-        <p:cNvGrpSpPr/>
-        <p:nvPr/>
-      </p:nvGrpSpPr>
-      <p:grpSpPr>
-        <a:xfrm>
-          <a:off x="0" y="0"/>
-          <a:ext cx="0" cy="0"/>
-          <a:chOff x="0" y="0"/>
-          <a:chExt cx="0" cy="0"/>
-        </a:xfrm>
-      </p:grpSpPr>
-      <p:sp>
-        <p:nvSpPr>
-          <p:cNvPr id="2" name="Slide Number Placeholder 1">
-            <a:extLst>
-              <a:ext uri="{FF2B5EF4-FFF2-40B4-BE49-F238E27FC236}">
-                <a16:creationId xmlns:a16="http://schemas.microsoft.com/office/drawing/2014/main" id="{3D484AC2-2EB5-AF4C-B234-0CCE4FA84529}"/>
-              </a:ext>
-            </a:extLst>
-          </p:cNvPr>
-          <p:cNvSpPr>
-            <a:spLocks noGrp="1"/>
-          </p:cNvSpPr>
-          <p:nvPr>
-            <p:ph type="sldNum" sz="quarter" idx="12"/>
-          </p:nvPr>
-        </p:nvSpPr>
-        <p:spPr/>
-        <p:txBody>
-          <a:bodyPr/>
-          <a:lstStyle/>
-          <a:p>
-            <a:fld id="{9EA0BE3B-158A-4EDF-80DC-E394A0D1600F}" type="slidenum">
-              <a:rPr lang="en-US" smtClean="0"/>
-              <a:pPr/>
-              <a:t>11</a:t>
-            </a:fld>
-            <a:endParaRPr lang="en-US" dirty="0"/>
-          </a:p>
-        </p:txBody>
-      </p:sp>
-      <p:sp>
-        <p:nvSpPr>
-          <p:cNvPr id="3" name="Title 2">
-            <a:extLst>
-              <a:ext uri="{FF2B5EF4-FFF2-40B4-BE49-F238E27FC236}">
-                <a16:creationId xmlns:a16="http://schemas.microsoft.com/office/drawing/2014/main" id="{44104A6F-CAE2-66D7-81C0-CE940D08D240}"/>
-              </a:ext>
-            </a:extLst>
-          </p:cNvPr>
-          <p:cNvSpPr>
-            <a:spLocks noGrp="1"/>
-          </p:cNvSpPr>
-          <p:nvPr>
-            <p:ph type="title"/>
-          </p:nvPr>
-        </p:nvSpPr>
-        <p:spPr/>
-        <p:txBody>
-          <a:bodyPr/>
-          <a:lstStyle/>
-          <a:p>
-            <a:r>
-              <a:rPr lang="en-US"/>
-              <a:t>3.3. Tính trừu tượng</a:t>
-            </a:r>
-          </a:p>
-        </p:txBody>
-      </p:sp>
-      <p:pic>
-        <p:nvPicPr>
-          <p:cNvPr id="6" name="Picture 5" descr="A yellow box with black text&#10;&#10;Description automatically generated">
-            <a:extLst>
-              <a:ext uri="{FF2B5EF4-FFF2-40B4-BE49-F238E27FC236}">
-                <a16:creationId xmlns:a16="http://schemas.microsoft.com/office/drawing/2014/main" id="{D8AAF397-3EA0-F32D-D8D6-6E931BE63733}"/>
-              </a:ext>
-            </a:extLst>
-          </p:cNvPr>
-          <p:cNvPicPr>
-            <a:picLocks noChangeAspect="1"/>
-          </p:cNvPicPr>
-          <p:nvPr/>
-        </p:nvPicPr>
-        <p:blipFill>
-          <a:blip r:embed="rId3">
-            <a:extLst>
-              <a:ext uri="{28A0092B-C50C-407E-A947-70E740481C1C}">
-                <a14:useLocalDpi xmlns:a14="http://schemas.microsoft.com/office/drawing/2010/main" val="0"/>
-              </a:ext>
-            </a:extLst>
-          </a:blip>
-          <a:stretch>
-            <a:fillRect/>
-          </a:stretch>
-        </p:blipFill>
-        <p:spPr>
-          <a:xfrm>
-            <a:off x="235077" y="1921054"/>
-            <a:ext cx="8673846" cy="3015892"/>
-          </a:xfrm>
-          <a:prstGeom prst="rect">
-            <a:avLst/>
-          </a:prstGeom>
-        </p:spPr>
-      </p:pic>
-    </p:spTree>
-    <p:extLst>
-      <p:ext uri="{BB962C8B-B14F-4D97-AF65-F5344CB8AC3E}">
-        <p14:creationId xmlns:p14="http://schemas.microsoft.com/office/powerpoint/2010/main" val="1589128408"/>
-      </p:ext>
-    </p:extLst>
-  </p:cSld>
-  <p:clrMapOvr>
-    <a:masterClrMapping/>
-  </p:clrMapOvr>
-</p:sld>
-</file>
-
-<file path=ppt/slides/slide12.xml><?xml version="1.0" encoding="utf-8"?>
-<p:sld xmlns:a="http://schemas.openxmlformats.org/drawingml/2006/main" xmlns:r="http://schemas.openxmlformats.org/officeDocument/2006/relationships" xmlns:p="http://schemas.openxmlformats.org/presentationml/2006/main">
-  <p:cSld>
-    <p:spTree>
-      <p:nvGrpSpPr>
-        <p:cNvPr id="1" name="">
-          <a:extLst>
-            <a:ext uri="{FF2B5EF4-FFF2-40B4-BE49-F238E27FC236}">
-              <a16:creationId xmlns:a16="http://schemas.microsoft.com/office/drawing/2014/main" id="{A0B56A8A-F207-96BF-F278-03FCAC3650E3}"/>
-            </a:ext>
-          </a:extLst>
-        </p:cNvPr>
-        <p:cNvGrpSpPr/>
-        <p:nvPr/>
-      </p:nvGrpSpPr>
-      <p:grpSpPr>
-        <a:xfrm>
-          <a:off x="0" y="0"/>
-          <a:ext cx="0" cy="0"/>
-          <a:chOff x="0" y="0"/>
-          <a:chExt cx="0" cy="0"/>
-        </a:xfrm>
-      </p:grpSpPr>
-      <p:sp>
-        <p:nvSpPr>
-          <p:cNvPr id="2" name="Slide Number Placeholder 1">
-            <a:extLst>
-              <a:ext uri="{FF2B5EF4-FFF2-40B4-BE49-F238E27FC236}">
-                <a16:creationId xmlns:a16="http://schemas.microsoft.com/office/drawing/2014/main" id="{0F149807-2D3D-2450-C201-99BF27620772}"/>
-              </a:ext>
-            </a:extLst>
-          </p:cNvPr>
-          <p:cNvSpPr>
-            <a:spLocks noGrp="1"/>
-          </p:cNvSpPr>
-          <p:nvPr>
-            <p:ph type="sldNum" sz="quarter" idx="12"/>
-          </p:nvPr>
-        </p:nvSpPr>
-        <p:spPr/>
-        <p:txBody>
-          <a:bodyPr/>
-          <a:lstStyle/>
-          <a:p>
-            <a:fld id="{9EA0BE3B-158A-4EDF-80DC-E394A0D1600F}" type="slidenum">
-              <a:rPr lang="en-US" smtClean="0"/>
-              <a:pPr/>
-              <a:t>12</a:t>
-            </a:fld>
-            <a:endParaRPr lang="en-US" dirty="0"/>
-          </a:p>
-        </p:txBody>
-      </p:sp>
-      <p:sp>
-        <p:nvSpPr>
-          <p:cNvPr id="3" name="Title 2">
-            <a:extLst>
-              <a:ext uri="{FF2B5EF4-FFF2-40B4-BE49-F238E27FC236}">
-                <a16:creationId xmlns:a16="http://schemas.microsoft.com/office/drawing/2014/main" id="{D471BED7-6D8E-E762-E065-B8F2672AB2A2}"/>
-              </a:ext>
-            </a:extLst>
-          </p:cNvPr>
-          <p:cNvSpPr>
-            <a:spLocks noGrp="1"/>
-          </p:cNvSpPr>
-          <p:nvPr>
-            <p:ph type="title"/>
-          </p:nvPr>
-        </p:nvSpPr>
-        <p:spPr/>
-        <p:txBody>
-          <a:bodyPr/>
-          <a:lstStyle/>
-          <a:p>
-            <a:r>
-              <a:rPr lang="en-US"/>
-              <a:t>3.4. Tính đa hình</a:t>
-            </a:r>
-          </a:p>
-        </p:txBody>
-      </p:sp>
-      <p:pic>
-        <p:nvPicPr>
-          <p:cNvPr id="7" name="Picture 6">
-            <a:extLst>
-              <a:ext uri="{FF2B5EF4-FFF2-40B4-BE49-F238E27FC236}">
-                <a16:creationId xmlns:a16="http://schemas.microsoft.com/office/drawing/2014/main" id="{79339F0D-A252-AC37-E640-F47FEAB63EB0}"/>
-              </a:ext>
-            </a:extLst>
-          </p:cNvPr>
-          <p:cNvPicPr>
-            <a:picLocks noChangeAspect="1"/>
-          </p:cNvPicPr>
-          <p:nvPr/>
-        </p:nvPicPr>
-        <p:blipFill>
-          <a:blip r:embed="rId3"/>
-          <a:stretch>
-            <a:fillRect/>
-          </a:stretch>
-        </p:blipFill>
-        <p:spPr>
-          <a:xfrm>
-            <a:off x="1897147" y="842259"/>
-            <a:ext cx="5349704" cy="1386960"/>
-          </a:xfrm>
-          <a:prstGeom prst="rect">
-            <a:avLst/>
-          </a:prstGeom>
-        </p:spPr>
-      </p:pic>
-      <p:sp>
-        <p:nvSpPr>
-          <p:cNvPr id="8" name="TextBox 7">
-            <a:extLst>
-              <a:ext uri="{FF2B5EF4-FFF2-40B4-BE49-F238E27FC236}">
-                <a16:creationId xmlns:a16="http://schemas.microsoft.com/office/drawing/2014/main" id="{D6B7B890-40E9-5CD3-72BE-035E4FD30E13}"/>
-              </a:ext>
-            </a:extLst>
-          </p:cNvPr>
-          <p:cNvSpPr txBox="1"/>
-          <p:nvPr/>
-        </p:nvSpPr>
-        <p:spPr>
-          <a:xfrm>
-            <a:off x="1857153" y="2243680"/>
-            <a:ext cx="5429692" cy="461665"/>
-          </a:xfrm>
-          <a:prstGeom prst="rect">
-            <a:avLst/>
-          </a:prstGeom>
-          <a:noFill/>
-        </p:spPr>
-        <p:txBody>
-          <a:bodyPr wrap="none" rtlCol="0">
-            <a:spAutoFit/>
-          </a:bodyPr>
-          <a:lstStyle/>
-          <a:p>
-            <a:r>
-              <a:rPr lang="en-US" sz="2400">
-                <a:latin typeface="Lato" panose="020F0502020204030203" pitchFamily="34" charset="0"/>
-                <a:ea typeface="Lato" panose="020F0502020204030203" pitchFamily="34" charset="0"/>
-                <a:cs typeface="Lato" panose="020F0502020204030203" pitchFamily="34" charset="0"/>
-              </a:rPr>
-              <a:t>Phương thức authenticate() trong Staff</a:t>
-            </a:r>
-          </a:p>
-        </p:txBody>
-      </p:sp>
-      <p:pic>
-        <p:nvPicPr>
-          <p:cNvPr id="10" name="Picture 9">
-            <a:extLst>
-              <a:ext uri="{FF2B5EF4-FFF2-40B4-BE49-F238E27FC236}">
-                <a16:creationId xmlns:a16="http://schemas.microsoft.com/office/drawing/2014/main" id="{E1035986-F1B1-C471-90B4-264B17A5C652}"/>
-              </a:ext>
-            </a:extLst>
-          </p:cNvPr>
-          <p:cNvPicPr>
-            <a:picLocks noChangeAspect="1"/>
-          </p:cNvPicPr>
-          <p:nvPr/>
-        </p:nvPicPr>
-        <p:blipFill>
-          <a:blip r:embed="rId4"/>
-          <a:stretch>
-            <a:fillRect/>
-          </a:stretch>
-        </p:blipFill>
-        <p:spPr>
-          <a:xfrm>
-            <a:off x="1325598" y="2906512"/>
-            <a:ext cx="6492803" cy="3109229"/>
-          </a:xfrm>
-          <a:prstGeom prst="rect">
-            <a:avLst/>
-          </a:prstGeom>
-        </p:spPr>
-      </p:pic>
-      <p:sp>
-        <p:nvSpPr>
-          <p:cNvPr id="11" name="TextBox 10">
-            <a:extLst>
-              <a:ext uri="{FF2B5EF4-FFF2-40B4-BE49-F238E27FC236}">
-                <a16:creationId xmlns:a16="http://schemas.microsoft.com/office/drawing/2014/main" id="{45AFB88A-B6CD-F037-7991-C676EB09DF10}"/>
-              </a:ext>
-            </a:extLst>
-          </p:cNvPr>
-          <p:cNvSpPr txBox="1"/>
-          <p:nvPr/>
-        </p:nvSpPr>
-        <p:spPr>
-          <a:xfrm>
-            <a:off x="1702463" y="6004308"/>
-            <a:ext cx="5739072" cy="461665"/>
-          </a:xfrm>
-          <a:prstGeom prst="rect">
-            <a:avLst/>
-          </a:prstGeom>
-          <a:noFill/>
-        </p:spPr>
-        <p:txBody>
-          <a:bodyPr wrap="none" rtlCol="0">
-            <a:spAutoFit/>
-          </a:bodyPr>
-          <a:lstStyle/>
-          <a:p>
-            <a:r>
-              <a:rPr lang="en-US" sz="2400">
-                <a:latin typeface="Lato" panose="020F0502020204030203" pitchFamily="34" charset="0"/>
-                <a:ea typeface="Lato" panose="020F0502020204030203" pitchFamily="34" charset="0"/>
-                <a:cs typeface="Lato" panose="020F0502020204030203" pitchFamily="34" charset="0"/>
-              </a:rPr>
-              <a:t>Phương thức authenticate() trong Doctor</a:t>
-            </a:r>
-          </a:p>
-        </p:txBody>
-      </p:sp>
-    </p:spTree>
-    <p:extLst>
-      <p:ext uri="{BB962C8B-B14F-4D97-AF65-F5344CB8AC3E}">
-        <p14:creationId xmlns:p14="http://schemas.microsoft.com/office/powerpoint/2010/main" val="2870842858"/>
-      </p:ext>
-    </p:extLst>
-  </p:cSld>
-  <p:clrMapOvr>
-    <a:masterClrMapping/>
-  </p:clrMapOvr>
-</p:sld>
-</file>
-
-<file path=ppt/slides/slide13.xml><?xml version="1.0" encoding="utf-8"?>
-<p:sld xmlns:a="http://schemas.openxmlformats.org/drawingml/2006/main" xmlns:r="http://schemas.openxmlformats.org/officeDocument/2006/relationships" xmlns:p="http://schemas.openxmlformats.org/presentationml/2006/main">
-  <p:cSld>
-    <p:spTree>
-      <p:nvGrpSpPr>
-        <p:cNvPr id="1" name="">
-          <a:extLst>
-            <a:ext uri="{FF2B5EF4-FFF2-40B4-BE49-F238E27FC236}">
-              <a16:creationId xmlns:a16="http://schemas.microsoft.com/office/drawing/2014/main" id="{F6D873BB-FE85-FB2A-4024-4AAD8D5E7DF6}"/>
-            </a:ext>
-          </a:extLst>
-        </p:cNvPr>
-        <p:cNvGrpSpPr/>
-        <p:nvPr/>
-      </p:nvGrpSpPr>
-      <p:grpSpPr>
-        <a:xfrm>
-          <a:off x="0" y="0"/>
-          <a:ext cx="0" cy="0"/>
-          <a:chOff x="0" y="0"/>
-          <a:chExt cx="0" cy="0"/>
-        </a:xfrm>
-      </p:grpSpPr>
-      <p:sp>
-        <p:nvSpPr>
-          <p:cNvPr id="3" name="Text Placeholder 2">
-            <a:extLst>
-              <a:ext uri="{FF2B5EF4-FFF2-40B4-BE49-F238E27FC236}">
-                <a16:creationId xmlns:a16="http://schemas.microsoft.com/office/drawing/2014/main" id="{91C5437C-0FAA-9CBB-7368-CA07B5765123}"/>
-              </a:ext>
-            </a:extLst>
-          </p:cNvPr>
-          <p:cNvSpPr>
-            <a:spLocks noGrp="1"/>
-          </p:cNvSpPr>
-          <p:nvPr>
-            <p:ph type="body" sz="quarter" idx="13"/>
-          </p:nvPr>
-        </p:nvSpPr>
-        <p:spPr>
-          <a:xfrm>
-            <a:off x="3524251" y="233265"/>
-            <a:ext cx="5384672" cy="6307235"/>
-          </a:xfrm>
-        </p:spPr>
-        <p:txBody>
-          <a:bodyPr anchor="ctr"/>
-          <a:lstStyle/>
-          <a:p>
-            <a:pPr marL="0" indent="0" algn="ctr">
-              <a:buNone/>
-            </a:pPr>
-            <a:r>
-              <a:rPr lang="en-US">
-                <a:solidFill>
-                  <a:schemeClr val="tx2">
-                    <a:lumMod val="50000"/>
-                  </a:schemeClr>
-                </a:solidFill>
-              </a:rPr>
-              <a:t>Chương 4</a:t>
-            </a:r>
-          </a:p>
-          <a:p>
-            <a:pPr marL="0" indent="0" algn="ctr">
-              <a:buNone/>
-            </a:pPr>
-            <a:endParaRPr lang="en-US">
-              <a:solidFill>
-                <a:schemeClr val="tx2">
-                  <a:lumMod val="50000"/>
-                </a:schemeClr>
-              </a:solidFill>
-            </a:endParaRPr>
-          </a:p>
-          <a:p>
-            <a:pPr marL="0" indent="0" algn="ctr">
-              <a:lnSpc>
-                <a:spcPct val="100000"/>
-              </a:lnSpc>
-              <a:buNone/>
-            </a:pPr>
-            <a:r>
-              <a:rPr lang="en-US" sz="3600" b="1">
-                <a:solidFill>
-                  <a:schemeClr val="tx2">
-                    <a:lumMod val="50000"/>
-                  </a:schemeClr>
-                </a:solidFill>
-              </a:rPr>
-              <a:t>CÔNG NGHỆ SỬ DỤNG</a:t>
-            </a:r>
-          </a:p>
-        </p:txBody>
-      </p:sp>
-      <p:sp>
-        <p:nvSpPr>
-          <p:cNvPr id="4" name="Slide Number Placeholder 3">
-            <a:extLst>
-              <a:ext uri="{FF2B5EF4-FFF2-40B4-BE49-F238E27FC236}">
-                <a16:creationId xmlns:a16="http://schemas.microsoft.com/office/drawing/2014/main" id="{7BDF20BE-80FB-25FD-6281-B011D7494422}"/>
-              </a:ext>
-            </a:extLst>
-          </p:cNvPr>
-          <p:cNvSpPr>
-            <a:spLocks noGrp="1"/>
-          </p:cNvSpPr>
-          <p:nvPr>
-            <p:ph type="sldNum" sz="quarter" idx="12"/>
-          </p:nvPr>
-        </p:nvSpPr>
-        <p:spPr/>
-        <p:txBody>
-          <a:bodyPr/>
-          <a:lstStyle/>
-          <a:p>
-            <a:fld id="{9EA0BE3B-158A-4EDF-80DC-E394A0D1600F}" type="slidenum">
-              <a:rPr lang="en-US" smtClean="0"/>
-              <a:pPr/>
-              <a:t>13</a:t>
-            </a:fld>
-            <a:endParaRPr lang="en-US" dirty="0"/>
-          </a:p>
-        </p:txBody>
-      </p:sp>
-    </p:spTree>
-    <p:extLst>
-      <p:ext uri="{BB962C8B-B14F-4D97-AF65-F5344CB8AC3E}">
-        <p14:creationId xmlns:p14="http://schemas.microsoft.com/office/powerpoint/2010/main" val="4248380385"/>
-      </p:ext>
-    </p:extLst>
-  </p:cSld>
-  <p:clrMapOvr>
-    <a:masterClrMapping/>
-  </p:clrMapOvr>
-</p:sld>
-</file>
-
-<file path=ppt/slides/slide14.xml><?xml version="1.0" encoding="utf-8"?>
-<p:sld xmlns:a="http://schemas.openxmlformats.org/drawingml/2006/main" xmlns:r="http://schemas.openxmlformats.org/officeDocument/2006/relationships" xmlns:p="http://schemas.openxmlformats.org/presentationml/2006/main">
-  <p:cSld>
-    <p:spTree>
-      <p:nvGrpSpPr>
-        <p:cNvPr id="1" name="">
-          <a:extLst>
-            <a:ext uri="{FF2B5EF4-FFF2-40B4-BE49-F238E27FC236}">
               <a16:creationId xmlns:a16="http://schemas.microsoft.com/office/drawing/2014/main" id="{FEE19759-36F7-9EE8-8521-05EA3994247D}"/>
             </a:ext>
           </a:extLst>
@@ -3138,7 +2509,7 @@
             <a:fld id="{9EA0BE3B-158A-4EDF-80DC-E394A0D1600F}" type="slidenum">
               <a:rPr lang="en-US" smtClean="0"/>
               <a:pPr/>
-              <a:t>14</a:t>
+              <a:t>10</a:t>
             </a:fld>
             <a:endParaRPr lang="en-US" dirty="0"/>
           </a:p>
@@ -3167,7 +2538,7 @@
           <a:p>
             <a:r>
               <a:rPr lang="en-US"/>
-              <a:t>4. Công nghệ sử dụng</a:t>
+              <a:t>3. Công nghệ sử dụng</a:t>
             </a:r>
           </a:p>
         </p:txBody>
@@ -3326,7 +2697,803 @@
 </p:sld>
 </file>
 
+<file path=ppt/slides/slide11.xml><?xml version="1.0" encoding="utf-8"?>
+<p:sld xmlns:a="http://schemas.openxmlformats.org/drawingml/2006/main" xmlns:r="http://schemas.openxmlformats.org/officeDocument/2006/relationships" xmlns:p="http://schemas.openxmlformats.org/presentationml/2006/main">
+  <p:cSld>
+    <p:spTree>
+      <p:nvGrpSpPr>
+        <p:cNvPr id="1" name="">
+          <a:extLst>
+            <a:ext uri="{FF2B5EF4-FFF2-40B4-BE49-F238E27FC236}">
+              <a16:creationId xmlns:a16="http://schemas.microsoft.com/office/drawing/2014/main" id="{B7719E11-D789-2894-CD2E-F8FEF1272FE8}"/>
+            </a:ext>
+          </a:extLst>
+        </p:cNvPr>
+        <p:cNvGrpSpPr/>
+        <p:nvPr/>
+      </p:nvGrpSpPr>
+      <p:grpSpPr>
+        <a:xfrm>
+          <a:off x="0" y="0"/>
+          <a:ext cx="0" cy="0"/>
+          <a:chOff x="0" y="0"/>
+          <a:chExt cx="0" cy="0"/>
+        </a:xfrm>
+      </p:grpSpPr>
+      <p:sp>
+        <p:nvSpPr>
+          <p:cNvPr id="3" name="Text Placeholder 2">
+            <a:extLst>
+              <a:ext uri="{FF2B5EF4-FFF2-40B4-BE49-F238E27FC236}">
+                <a16:creationId xmlns:a16="http://schemas.microsoft.com/office/drawing/2014/main" id="{3268AFE9-7D5C-1BB4-8B1F-20C26F0EAEAD}"/>
+              </a:ext>
+            </a:extLst>
+          </p:cNvPr>
+          <p:cNvSpPr>
+            <a:spLocks noGrp="1"/>
+          </p:cNvSpPr>
+          <p:nvPr>
+            <p:ph type="body" sz="quarter" idx="13"/>
+          </p:nvPr>
+        </p:nvSpPr>
+        <p:spPr>
+          <a:xfrm>
+            <a:off x="3524251" y="233265"/>
+            <a:ext cx="5384672" cy="6307235"/>
+          </a:xfrm>
+        </p:spPr>
+        <p:txBody>
+          <a:bodyPr anchor="ctr"/>
+          <a:lstStyle/>
+          <a:p>
+            <a:pPr marL="0" indent="0" algn="ctr">
+              <a:buNone/>
+            </a:pPr>
+            <a:r>
+              <a:rPr lang="en-US">
+                <a:solidFill>
+                  <a:schemeClr val="tx2">
+                    <a:lumMod val="50000"/>
+                  </a:schemeClr>
+                </a:solidFill>
+              </a:rPr>
+              <a:t>Chương 4</a:t>
+            </a:r>
+          </a:p>
+          <a:p>
+            <a:pPr marL="0" indent="0" algn="ctr">
+              <a:buNone/>
+            </a:pPr>
+            <a:endParaRPr lang="en-US">
+              <a:solidFill>
+                <a:schemeClr val="tx2">
+                  <a:lumMod val="50000"/>
+                </a:schemeClr>
+              </a:solidFill>
+            </a:endParaRPr>
+          </a:p>
+          <a:p>
+            <a:pPr marL="0" indent="0" algn="ctr">
+              <a:lnSpc>
+                <a:spcPct val="100000"/>
+              </a:lnSpc>
+              <a:buNone/>
+            </a:pPr>
+            <a:r>
+              <a:rPr lang="en-US" sz="3600" b="1">
+                <a:solidFill>
+                  <a:schemeClr val="tx2">
+                    <a:lumMod val="50000"/>
+                  </a:schemeClr>
+                </a:solidFill>
+              </a:rPr>
+              <a:t>PHÂN TÍCH ĐẶC TÍNH HƯỚNG ĐỐI TƯỢNG</a:t>
+            </a:r>
+          </a:p>
+        </p:txBody>
+      </p:sp>
+      <p:sp>
+        <p:nvSpPr>
+          <p:cNvPr id="4" name="Slide Number Placeholder 3">
+            <a:extLst>
+              <a:ext uri="{FF2B5EF4-FFF2-40B4-BE49-F238E27FC236}">
+                <a16:creationId xmlns:a16="http://schemas.microsoft.com/office/drawing/2014/main" id="{FF801A17-FD2E-0C75-9CFF-B8CD0A308FCC}"/>
+              </a:ext>
+            </a:extLst>
+          </p:cNvPr>
+          <p:cNvSpPr>
+            <a:spLocks noGrp="1"/>
+          </p:cNvSpPr>
+          <p:nvPr>
+            <p:ph type="sldNum" sz="quarter" idx="12"/>
+          </p:nvPr>
+        </p:nvSpPr>
+        <p:spPr/>
+        <p:txBody>
+          <a:bodyPr/>
+          <a:lstStyle/>
+          <a:p>
+            <a:fld id="{9EA0BE3B-158A-4EDF-80DC-E394A0D1600F}" type="slidenum">
+              <a:rPr lang="en-US" smtClean="0"/>
+              <a:pPr/>
+              <a:t>11</a:t>
+            </a:fld>
+            <a:endParaRPr lang="en-US" dirty="0"/>
+          </a:p>
+        </p:txBody>
+      </p:sp>
+    </p:spTree>
+    <p:extLst>
+      <p:ext uri="{BB962C8B-B14F-4D97-AF65-F5344CB8AC3E}">
+        <p14:creationId xmlns:p14="http://schemas.microsoft.com/office/powerpoint/2010/main" val="231343195"/>
+      </p:ext>
+    </p:extLst>
+  </p:cSld>
+  <p:clrMapOvr>
+    <a:masterClrMapping/>
+  </p:clrMapOvr>
+</p:sld>
+</file>
+
+<file path=ppt/slides/slide12.xml><?xml version="1.0" encoding="utf-8"?>
+<p:sld xmlns:a="http://schemas.openxmlformats.org/drawingml/2006/main" xmlns:r="http://schemas.openxmlformats.org/officeDocument/2006/relationships" xmlns:p="http://schemas.openxmlformats.org/presentationml/2006/main">
+  <p:cSld>
+    <p:spTree>
+      <p:nvGrpSpPr>
+        <p:cNvPr id="1" name="">
+          <a:extLst>
+            <a:ext uri="{FF2B5EF4-FFF2-40B4-BE49-F238E27FC236}">
+              <a16:creationId xmlns:a16="http://schemas.microsoft.com/office/drawing/2014/main" id="{A38539ED-6147-C4FA-36F3-0FDD79369498}"/>
+            </a:ext>
+          </a:extLst>
+        </p:cNvPr>
+        <p:cNvGrpSpPr/>
+        <p:nvPr/>
+      </p:nvGrpSpPr>
+      <p:grpSpPr>
+        <a:xfrm>
+          <a:off x="0" y="0"/>
+          <a:ext cx="0" cy="0"/>
+          <a:chOff x="0" y="0"/>
+          <a:chExt cx="0" cy="0"/>
+        </a:xfrm>
+      </p:grpSpPr>
+      <p:sp>
+        <p:nvSpPr>
+          <p:cNvPr id="2" name="Slide Number Placeholder 1">
+            <a:extLst>
+              <a:ext uri="{FF2B5EF4-FFF2-40B4-BE49-F238E27FC236}">
+                <a16:creationId xmlns:a16="http://schemas.microsoft.com/office/drawing/2014/main" id="{AA94532D-7AA5-AF56-59FF-09CFE5A051E3}"/>
+              </a:ext>
+            </a:extLst>
+          </p:cNvPr>
+          <p:cNvSpPr>
+            <a:spLocks noGrp="1"/>
+          </p:cNvSpPr>
+          <p:nvPr>
+            <p:ph type="sldNum" sz="quarter" idx="12"/>
+          </p:nvPr>
+        </p:nvSpPr>
+        <p:spPr/>
+        <p:txBody>
+          <a:bodyPr/>
+          <a:lstStyle/>
+          <a:p>
+            <a:fld id="{9EA0BE3B-158A-4EDF-80DC-E394A0D1600F}" type="slidenum">
+              <a:rPr lang="en-US" smtClean="0"/>
+              <a:pPr/>
+              <a:t>12</a:t>
+            </a:fld>
+            <a:endParaRPr lang="en-US" dirty="0"/>
+          </a:p>
+        </p:txBody>
+      </p:sp>
+      <p:sp>
+        <p:nvSpPr>
+          <p:cNvPr id="3" name="Title 2">
+            <a:extLst>
+              <a:ext uri="{FF2B5EF4-FFF2-40B4-BE49-F238E27FC236}">
+                <a16:creationId xmlns:a16="http://schemas.microsoft.com/office/drawing/2014/main" id="{46224271-C29D-A607-B922-E0A9DC96C9EF}"/>
+              </a:ext>
+            </a:extLst>
+          </p:cNvPr>
+          <p:cNvSpPr>
+            <a:spLocks noGrp="1"/>
+          </p:cNvSpPr>
+          <p:nvPr>
+            <p:ph type="title"/>
+          </p:nvPr>
+        </p:nvSpPr>
+        <p:spPr/>
+        <p:txBody>
+          <a:bodyPr/>
+          <a:lstStyle/>
+          <a:p>
+            <a:r>
+              <a:rPr lang="en-US"/>
+              <a:t>4.1. Tính đóng gói</a:t>
+            </a:r>
+          </a:p>
+        </p:txBody>
+      </p:sp>
+      <p:pic>
+        <p:nvPicPr>
+          <p:cNvPr id="6" name="Picture 5" descr="A screenshot of a computer screen&#10;&#10;Description automatically generated">
+            <a:extLst>
+              <a:ext uri="{FF2B5EF4-FFF2-40B4-BE49-F238E27FC236}">
+                <a16:creationId xmlns:a16="http://schemas.microsoft.com/office/drawing/2014/main" id="{EE70F5E8-567C-5BD9-B02B-52CEB8EDE602}"/>
+              </a:ext>
+            </a:extLst>
+          </p:cNvPr>
+          <p:cNvPicPr>
+            <a:picLocks noChangeAspect="1"/>
+          </p:cNvPicPr>
+          <p:nvPr/>
+        </p:nvPicPr>
+        <p:blipFill>
+          <a:blip r:embed="rId2">
+            <a:extLst>
+              <a:ext uri="{28A0092B-C50C-407E-A947-70E740481C1C}">
+                <a14:useLocalDpi xmlns:a14="http://schemas.microsoft.com/office/drawing/2010/main" val="0"/>
+              </a:ext>
+            </a:extLst>
+          </a:blip>
+          <a:stretch>
+            <a:fillRect/>
+          </a:stretch>
+        </p:blipFill>
+        <p:spPr>
+          <a:xfrm>
+            <a:off x="1922566" y="909338"/>
+            <a:ext cx="5298868" cy="1675126"/>
+          </a:xfrm>
+          <a:prstGeom prst="rect">
+            <a:avLst/>
+          </a:prstGeom>
+        </p:spPr>
+      </p:pic>
+      <p:pic>
+        <p:nvPicPr>
+          <p:cNvPr id="8" name="Picture 7" descr="A screen shot of a computer program&#10;&#10;Description automatically generated">
+            <a:extLst>
+              <a:ext uri="{FF2B5EF4-FFF2-40B4-BE49-F238E27FC236}">
+                <a16:creationId xmlns:a16="http://schemas.microsoft.com/office/drawing/2014/main" id="{D9ABAA3B-6B2C-70DB-4E93-DCD70A1BA866}"/>
+              </a:ext>
+            </a:extLst>
+          </p:cNvPr>
+          <p:cNvPicPr>
+            <a:picLocks noChangeAspect="1"/>
+          </p:cNvPicPr>
+          <p:nvPr/>
+        </p:nvPicPr>
+        <p:blipFill>
+          <a:blip r:embed="rId3">
+            <a:extLst>
+              <a:ext uri="{28A0092B-C50C-407E-A947-70E740481C1C}">
+                <a14:useLocalDpi xmlns:a14="http://schemas.microsoft.com/office/drawing/2010/main" val="0"/>
+              </a:ext>
+            </a:extLst>
+          </a:blip>
+          <a:stretch>
+            <a:fillRect/>
+          </a:stretch>
+        </p:blipFill>
+        <p:spPr>
+          <a:xfrm>
+            <a:off x="1922566" y="3114420"/>
+            <a:ext cx="5298867" cy="3078720"/>
+          </a:xfrm>
+          <a:prstGeom prst="rect">
+            <a:avLst/>
+          </a:prstGeom>
+        </p:spPr>
+      </p:pic>
+    </p:spTree>
+    <p:extLst>
+      <p:ext uri="{BB962C8B-B14F-4D97-AF65-F5344CB8AC3E}">
+        <p14:creationId xmlns:p14="http://schemas.microsoft.com/office/powerpoint/2010/main" val="4192866200"/>
+      </p:ext>
+    </p:extLst>
+  </p:cSld>
+  <p:clrMapOvr>
+    <a:masterClrMapping/>
+  </p:clrMapOvr>
+</p:sld>
+</file>
+
+<file path=ppt/slides/slide13.xml><?xml version="1.0" encoding="utf-8"?>
+<p:sld xmlns:a="http://schemas.openxmlformats.org/drawingml/2006/main" xmlns:r="http://schemas.openxmlformats.org/officeDocument/2006/relationships" xmlns:p="http://schemas.openxmlformats.org/presentationml/2006/main">
+  <p:cSld>
+    <p:spTree>
+      <p:nvGrpSpPr>
+        <p:cNvPr id="1" name="">
+          <a:extLst>
+            <a:ext uri="{FF2B5EF4-FFF2-40B4-BE49-F238E27FC236}">
+              <a16:creationId xmlns:a16="http://schemas.microsoft.com/office/drawing/2014/main" id="{A84766F1-B74B-544A-2D11-5EBC7E713FC5}"/>
+            </a:ext>
+          </a:extLst>
+        </p:cNvPr>
+        <p:cNvGrpSpPr/>
+        <p:nvPr/>
+      </p:nvGrpSpPr>
+      <p:grpSpPr>
+        <a:xfrm>
+          <a:off x="0" y="0"/>
+          <a:ext cx="0" cy="0"/>
+          <a:chOff x="0" y="0"/>
+          <a:chExt cx="0" cy="0"/>
+        </a:xfrm>
+      </p:grpSpPr>
+      <p:sp>
+        <p:nvSpPr>
+          <p:cNvPr id="2" name="Slide Number Placeholder 1">
+            <a:extLst>
+              <a:ext uri="{FF2B5EF4-FFF2-40B4-BE49-F238E27FC236}">
+                <a16:creationId xmlns:a16="http://schemas.microsoft.com/office/drawing/2014/main" id="{94C509E3-0EB7-C9BB-8EDA-D8B633F0426E}"/>
+              </a:ext>
+            </a:extLst>
+          </p:cNvPr>
+          <p:cNvSpPr>
+            <a:spLocks noGrp="1"/>
+          </p:cNvSpPr>
+          <p:nvPr>
+            <p:ph type="sldNum" sz="quarter" idx="12"/>
+          </p:nvPr>
+        </p:nvSpPr>
+        <p:spPr/>
+        <p:txBody>
+          <a:bodyPr/>
+          <a:lstStyle/>
+          <a:p>
+            <a:fld id="{9EA0BE3B-158A-4EDF-80DC-E394A0D1600F}" type="slidenum">
+              <a:rPr lang="en-US" smtClean="0"/>
+              <a:pPr/>
+              <a:t>13</a:t>
+            </a:fld>
+            <a:endParaRPr lang="en-US" dirty="0"/>
+          </a:p>
+        </p:txBody>
+      </p:sp>
+      <p:sp>
+        <p:nvSpPr>
+          <p:cNvPr id="3" name="Title 2">
+            <a:extLst>
+              <a:ext uri="{FF2B5EF4-FFF2-40B4-BE49-F238E27FC236}">
+                <a16:creationId xmlns:a16="http://schemas.microsoft.com/office/drawing/2014/main" id="{A50CF4C2-F839-E96A-F375-1002A0E3D84F}"/>
+              </a:ext>
+            </a:extLst>
+          </p:cNvPr>
+          <p:cNvSpPr>
+            <a:spLocks noGrp="1"/>
+          </p:cNvSpPr>
+          <p:nvPr>
+            <p:ph type="title"/>
+          </p:nvPr>
+        </p:nvSpPr>
+        <p:spPr/>
+        <p:txBody>
+          <a:bodyPr/>
+          <a:lstStyle/>
+          <a:p>
+            <a:r>
+              <a:rPr lang="en-US"/>
+              <a:t>4.2. Tính kế thừa</a:t>
+            </a:r>
+          </a:p>
+        </p:txBody>
+      </p:sp>
+      <p:pic>
+        <p:nvPicPr>
+          <p:cNvPr id="7" name="Picture 6" descr="A diagram of a medical organization&#10;&#10;Description automatically generated">
+            <a:extLst>
+              <a:ext uri="{FF2B5EF4-FFF2-40B4-BE49-F238E27FC236}">
+                <a16:creationId xmlns:a16="http://schemas.microsoft.com/office/drawing/2014/main" id="{252D0B9E-5269-2A36-DB98-89FF32E68A8B}"/>
+              </a:ext>
+            </a:extLst>
+          </p:cNvPr>
+          <p:cNvPicPr>
+            <a:picLocks noChangeAspect="1"/>
+          </p:cNvPicPr>
+          <p:nvPr/>
+        </p:nvPicPr>
+        <p:blipFill>
+          <a:blip r:embed="rId2">
+            <a:extLst>
+              <a:ext uri="{28A0092B-C50C-407E-A947-70E740481C1C}">
+                <a14:useLocalDpi xmlns:a14="http://schemas.microsoft.com/office/drawing/2010/main" val="0"/>
+              </a:ext>
+            </a:extLst>
+          </a:blip>
+          <a:stretch>
+            <a:fillRect/>
+          </a:stretch>
+        </p:blipFill>
+        <p:spPr>
+          <a:xfrm>
+            <a:off x="1996751" y="1390445"/>
+            <a:ext cx="5150498" cy="4077110"/>
+          </a:xfrm>
+          <a:prstGeom prst="rect">
+            <a:avLst/>
+          </a:prstGeom>
+        </p:spPr>
+      </p:pic>
+    </p:spTree>
+    <p:extLst>
+      <p:ext uri="{BB962C8B-B14F-4D97-AF65-F5344CB8AC3E}">
+        <p14:creationId xmlns:p14="http://schemas.microsoft.com/office/powerpoint/2010/main" val="2798130807"/>
+      </p:ext>
+    </p:extLst>
+  </p:cSld>
+  <p:clrMapOvr>
+    <a:masterClrMapping/>
+  </p:clrMapOvr>
+</p:sld>
+</file>
+
+<file path=ppt/slides/slide14.xml><?xml version="1.0" encoding="utf-8"?>
+<p:sld xmlns:a="http://schemas.openxmlformats.org/drawingml/2006/main" xmlns:r="http://schemas.openxmlformats.org/officeDocument/2006/relationships" xmlns:p="http://schemas.openxmlformats.org/presentationml/2006/main">
+  <p:cSld>
+    <p:spTree>
+      <p:nvGrpSpPr>
+        <p:cNvPr id="1" name="">
+          <a:extLst>
+            <a:ext uri="{FF2B5EF4-FFF2-40B4-BE49-F238E27FC236}">
+              <a16:creationId xmlns:a16="http://schemas.microsoft.com/office/drawing/2014/main" id="{B96DCE81-05AE-065E-4CED-B8E464A4FEAF}"/>
+            </a:ext>
+          </a:extLst>
+        </p:cNvPr>
+        <p:cNvGrpSpPr/>
+        <p:nvPr/>
+      </p:nvGrpSpPr>
+      <p:grpSpPr>
+        <a:xfrm>
+          <a:off x="0" y="0"/>
+          <a:ext cx="0" cy="0"/>
+          <a:chOff x="0" y="0"/>
+          <a:chExt cx="0" cy="0"/>
+        </a:xfrm>
+      </p:grpSpPr>
+      <p:sp>
+        <p:nvSpPr>
+          <p:cNvPr id="2" name="Slide Number Placeholder 1">
+            <a:extLst>
+              <a:ext uri="{FF2B5EF4-FFF2-40B4-BE49-F238E27FC236}">
+                <a16:creationId xmlns:a16="http://schemas.microsoft.com/office/drawing/2014/main" id="{3D484AC2-2EB5-AF4C-B234-0CCE4FA84529}"/>
+              </a:ext>
+            </a:extLst>
+          </p:cNvPr>
+          <p:cNvSpPr>
+            <a:spLocks noGrp="1"/>
+          </p:cNvSpPr>
+          <p:nvPr>
+            <p:ph type="sldNum" sz="quarter" idx="12"/>
+          </p:nvPr>
+        </p:nvSpPr>
+        <p:spPr/>
+        <p:txBody>
+          <a:bodyPr/>
+          <a:lstStyle/>
+          <a:p>
+            <a:fld id="{9EA0BE3B-158A-4EDF-80DC-E394A0D1600F}" type="slidenum">
+              <a:rPr lang="en-US" smtClean="0"/>
+              <a:pPr/>
+              <a:t>14</a:t>
+            </a:fld>
+            <a:endParaRPr lang="en-US" dirty="0"/>
+          </a:p>
+        </p:txBody>
+      </p:sp>
+      <p:sp>
+        <p:nvSpPr>
+          <p:cNvPr id="3" name="Title 2">
+            <a:extLst>
+              <a:ext uri="{FF2B5EF4-FFF2-40B4-BE49-F238E27FC236}">
+                <a16:creationId xmlns:a16="http://schemas.microsoft.com/office/drawing/2014/main" id="{44104A6F-CAE2-66D7-81C0-CE940D08D240}"/>
+              </a:ext>
+            </a:extLst>
+          </p:cNvPr>
+          <p:cNvSpPr>
+            <a:spLocks noGrp="1"/>
+          </p:cNvSpPr>
+          <p:nvPr>
+            <p:ph type="title"/>
+          </p:nvPr>
+        </p:nvSpPr>
+        <p:spPr/>
+        <p:txBody>
+          <a:bodyPr/>
+          <a:lstStyle/>
+          <a:p>
+            <a:r>
+              <a:rPr lang="en-US"/>
+              <a:t>4.3. Tính trừu tượng</a:t>
+            </a:r>
+          </a:p>
+        </p:txBody>
+      </p:sp>
+      <p:pic>
+        <p:nvPicPr>
+          <p:cNvPr id="6" name="Picture 5" descr="A yellow box with black text&#10;&#10;Description automatically generated">
+            <a:extLst>
+              <a:ext uri="{FF2B5EF4-FFF2-40B4-BE49-F238E27FC236}">
+                <a16:creationId xmlns:a16="http://schemas.microsoft.com/office/drawing/2014/main" id="{D8AAF397-3EA0-F32D-D8D6-6E931BE63733}"/>
+              </a:ext>
+            </a:extLst>
+          </p:cNvPr>
+          <p:cNvPicPr>
+            <a:picLocks noChangeAspect="1"/>
+          </p:cNvPicPr>
+          <p:nvPr/>
+        </p:nvPicPr>
+        <p:blipFill>
+          <a:blip r:embed="rId3">
+            <a:extLst>
+              <a:ext uri="{28A0092B-C50C-407E-A947-70E740481C1C}">
+                <a14:useLocalDpi xmlns:a14="http://schemas.microsoft.com/office/drawing/2010/main" val="0"/>
+              </a:ext>
+            </a:extLst>
+          </a:blip>
+          <a:stretch>
+            <a:fillRect/>
+          </a:stretch>
+        </p:blipFill>
+        <p:spPr>
+          <a:xfrm>
+            <a:off x="235077" y="1921054"/>
+            <a:ext cx="8673846" cy="3015892"/>
+          </a:xfrm>
+          <a:prstGeom prst="rect">
+            <a:avLst/>
+          </a:prstGeom>
+        </p:spPr>
+      </p:pic>
+    </p:spTree>
+    <p:extLst>
+      <p:ext uri="{BB962C8B-B14F-4D97-AF65-F5344CB8AC3E}">
+        <p14:creationId xmlns:p14="http://schemas.microsoft.com/office/powerpoint/2010/main" val="1589128408"/>
+      </p:ext>
+    </p:extLst>
+  </p:cSld>
+  <p:clrMapOvr>
+    <a:masterClrMapping/>
+  </p:clrMapOvr>
+</p:sld>
+</file>
+
 <file path=ppt/slides/slide15.xml><?xml version="1.0" encoding="utf-8"?>
+<p:sld xmlns:a="http://schemas.openxmlformats.org/drawingml/2006/main" xmlns:r="http://schemas.openxmlformats.org/officeDocument/2006/relationships" xmlns:p="http://schemas.openxmlformats.org/presentationml/2006/main">
+  <p:cSld>
+    <p:spTree>
+      <p:nvGrpSpPr>
+        <p:cNvPr id="1" name="">
+          <a:extLst>
+            <a:ext uri="{FF2B5EF4-FFF2-40B4-BE49-F238E27FC236}">
+              <a16:creationId xmlns:a16="http://schemas.microsoft.com/office/drawing/2014/main" id="{A0B56A8A-F207-96BF-F278-03FCAC3650E3}"/>
+            </a:ext>
+          </a:extLst>
+        </p:cNvPr>
+        <p:cNvGrpSpPr/>
+        <p:nvPr/>
+      </p:nvGrpSpPr>
+      <p:grpSpPr>
+        <a:xfrm>
+          <a:off x="0" y="0"/>
+          <a:ext cx="0" cy="0"/>
+          <a:chOff x="0" y="0"/>
+          <a:chExt cx="0" cy="0"/>
+        </a:xfrm>
+      </p:grpSpPr>
+      <p:sp>
+        <p:nvSpPr>
+          <p:cNvPr id="2" name="Slide Number Placeholder 1">
+            <a:extLst>
+              <a:ext uri="{FF2B5EF4-FFF2-40B4-BE49-F238E27FC236}">
+                <a16:creationId xmlns:a16="http://schemas.microsoft.com/office/drawing/2014/main" id="{0F149807-2D3D-2450-C201-99BF27620772}"/>
+              </a:ext>
+            </a:extLst>
+          </p:cNvPr>
+          <p:cNvSpPr>
+            <a:spLocks noGrp="1"/>
+          </p:cNvSpPr>
+          <p:nvPr>
+            <p:ph type="sldNum" sz="quarter" idx="12"/>
+          </p:nvPr>
+        </p:nvSpPr>
+        <p:spPr/>
+        <p:txBody>
+          <a:bodyPr/>
+          <a:lstStyle/>
+          <a:p>
+            <a:fld id="{9EA0BE3B-158A-4EDF-80DC-E394A0D1600F}" type="slidenum">
+              <a:rPr lang="en-US" smtClean="0"/>
+              <a:pPr/>
+              <a:t>15</a:t>
+            </a:fld>
+            <a:endParaRPr lang="en-US" dirty="0"/>
+          </a:p>
+        </p:txBody>
+      </p:sp>
+      <p:sp>
+        <p:nvSpPr>
+          <p:cNvPr id="3" name="Title 2">
+            <a:extLst>
+              <a:ext uri="{FF2B5EF4-FFF2-40B4-BE49-F238E27FC236}">
+                <a16:creationId xmlns:a16="http://schemas.microsoft.com/office/drawing/2014/main" id="{D471BED7-6D8E-E762-E065-B8F2672AB2A2}"/>
+              </a:ext>
+            </a:extLst>
+          </p:cNvPr>
+          <p:cNvSpPr>
+            <a:spLocks noGrp="1"/>
+          </p:cNvSpPr>
+          <p:nvPr>
+            <p:ph type="title"/>
+          </p:nvPr>
+        </p:nvSpPr>
+        <p:spPr/>
+        <p:txBody>
+          <a:bodyPr/>
+          <a:lstStyle/>
+          <a:p>
+            <a:r>
+              <a:rPr lang="en-US"/>
+              <a:t>4.4. Tính đa hình</a:t>
+            </a:r>
+          </a:p>
+        </p:txBody>
+      </p:sp>
+      <p:pic>
+        <p:nvPicPr>
+          <p:cNvPr id="7" name="Picture 6">
+            <a:extLst>
+              <a:ext uri="{FF2B5EF4-FFF2-40B4-BE49-F238E27FC236}">
+                <a16:creationId xmlns:a16="http://schemas.microsoft.com/office/drawing/2014/main" id="{79339F0D-A252-AC37-E640-F47FEAB63EB0}"/>
+              </a:ext>
+            </a:extLst>
+          </p:cNvPr>
+          <p:cNvPicPr>
+            <a:picLocks noChangeAspect="1"/>
+          </p:cNvPicPr>
+          <p:nvPr/>
+        </p:nvPicPr>
+        <p:blipFill>
+          <a:blip r:embed="rId3"/>
+          <a:stretch>
+            <a:fillRect/>
+          </a:stretch>
+        </p:blipFill>
+        <p:spPr>
+          <a:xfrm>
+            <a:off x="1897147" y="842259"/>
+            <a:ext cx="5349704" cy="1386960"/>
+          </a:xfrm>
+          <a:prstGeom prst="rect">
+            <a:avLst/>
+          </a:prstGeom>
+        </p:spPr>
+      </p:pic>
+      <p:sp>
+        <p:nvSpPr>
+          <p:cNvPr id="8" name="TextBox 7">
+            <a:extLst>
+              <a:ext uri="{FF2B5EF4-FFF2-40B4-BE49-F238E27FC236}">
+                <a16:creationId xmlns:a16="http://schemas.microsoft.com/office/drawing/2014/main" id="{D6B7B890-40E9-5CD3-72BE-035E4FD30E13}"/>
+              </a:ext>
+            </a:extLst>
+          </p:cNvPr>
+          <p:cNvSpPr txBox="1"/>
+          <p:nvPr/>
+        </p:nvSpPr>
+        <p:spPr>
+          <a:xfrm>
+            <a:off x="1857153" y="2243680"/>
+            <a:ext cx="5429692" cy="461665"/>
+          </a:xfrm>
+          <a:prstGeom prst="rect">
+            <a:avLst/>
+          </a:prstGeom>
+          <a:noFill/>
+        </p:spPr>
+        <p:txBody>
+          <a:bodyPr wrap="none" rtlCol="0">
+            <a:spAutoFit/>
+          </a:bodyPr>
+          <a:lstStyle/>
+          <a:p>
+            <a:r>
+              <a:rPr lang="en-US" sz="2400">
+                <a:latin typeface="Lato" panose="020F0502020204030203" pitchFamily="34" charset="0"/>
+                <a:ea typeface="Lato" panose="020F0502020204030203" pitchFamily="34" charset="0"/>
+                <a:cs typeface="Lato" panose="020F0502020204030203" pitchFamily="34" charset="0"/>
+              </a:rPr>
+              <a:t>Phương thức authenticate() trong Staff</a:t>
+            </a:r>
+          </a:p>
+        </p:txBody>
+      </p:sp>
+      <p:pic>
+        <p:nvPicPr>
+          <p:cNvPr id="10" name="Picture 9">
+            <a:extLst>
+              <a:ext uri="{FF2B5EF4-FFF2-40B4-BE49-F238E27FC236}">
+                <a16:creationId xmlns:a16="http://schemas.microsoft.com/office/drawing/2014/main" id="{E1035986-F1B1-C471-90B4-264B17A5C652}"/>
+              </a:ext>
+            </a:extLst>
+          </p:cNvPr>
+          <p:cNvPicPr>
+            <a:picLocks noChangeAspect="1"/>
+          </p:cNvPicPr>
+          <p:nvPr/>
+        </p:nvPicPr>
+        <p:blipFill>
+          <a:blip r:embed="rId4"/>
+          <a:stretch>
+            <a:fillRect/>
+          </a:stretch>
+        </p:blipFill>
+        <p:spPr>
+          <a:xfrm>
+            <a:off x="1325598" y="2906512"/>
+            <a:ext cx="6492803" cy="3109229"/>
+          </a:xfrm>
+          <a:prstGeom prst="rect">
+            <a:avLst/>
+          </a:prstGeom>
+        </p:spPr>
+      </p:pic>
+      <p:sp>
+        <p:nvSpPr>
+          <p:cNvPr id="11" name="TextBox 10">
+            <a:extLst>
+              <a:ext uri="{FF2B5EF4-FFF2-40B4-BE49-F238E27FC236}">
+                <a16:creationId xmlns:a16="http://schemas.microsoft.com/office/drawing/2014/main" id="{45AFB88A-B6CD-F037-7991-C676EB09DF10}"/>
+              </a:ext>
+            </a:extLst>
+          </p:cNvPr>
+          <p:cNvSpPr txBox="1"/>
+          <p:nvPr/>
+        </p:nvSpPr>
+        <p:spPr>
+          <a:xfrm>
+            <a:off x="1702463" y="6004308"/>
+            <a:ext cx="5739072" cy="461665"/>
+          </a:xfrm>
+          <a:prstGeom prst="rect">
+            <a:avLst/>
+          </a:prstGeom>
+          <a:noFill/>
+        </p:spPr>
+        <p:txBody>
+          <a:bodyPr wrap="none" rtlCol="0">
+            <a:spAutoFit/>
+          </a:bodyPr>
+          <a:lstStyle/>
+          <a:p>
+            <a:r>
+              <a:rPr lang="en-US" sz="2400">
+                <a:latin typeface="Lato" panose="020F0502020204030203" pitchFamily="34" charset="0"/>
+                <a:ea typeface="Lato" panose="020F0502020204030203" pitchFamily="34" charset="0"/>
+                <a:cs typeface="Lato" panose="020F0502020204030203" pitchFamily="34" charset="0"/>
+              </a:rPr>
+              <a:t>Phương thức authenticate() trong Doctor</a:t>
+            </a:r>
+          </a:p>
+        </p:txBody>
+      </p:sp>
+    </p:spTree>
+    <p:extLst>
+      <p:ext uri="{BB962C8B-B14F-4D97-AF65-F5344CB8AC3E}">
+        <p14:creationId xmlns:p14="http://schemas.microsoft.com/office/powerpoint/2010/main" val="2870842858"/>
+      </p:ext>
+    </p:extLst>
+  </p:cSld>
+  <p:clrMapOvr>
+    <a:masterClrMapping/>
+  </p:clrMapOvr>
+</p:sld>
+</file>
+
+<file path=ppt/slides/slide16.xml><?xml version="1.0" encoding="utf-8"?>
 <p:sld xmlns:a="http://schemas.openxmlformats.org/drawingml/2006/main" xmlns:r="http://schemas.openxmlformats.org/officeDocument/2006/relationships" xmlns:p="http://schemas.openxmlformats.org/presentationml/2006/main">
   <p:cSld>
     <p:spTree>
@@ -3445,7 +3612,7 @@
             <a:fld id="{9EA0BE3B-158A-4EDF-80DC-E394A0D1600F}" type="slidenum">
               <a:rPr lang="en-US" smtClean="0"/>
               <a:pPr/>
-              <a:t>15</a:t>
+              <a:t>16</a:t>
             </a:fld>
             <a:endParaRPr lang="en-US" dirty="0"/>
           </a:p>
@@ -3464,7 +3631,7 @@
 </p:sld>
 </file>
 
-<file path=ppt/slides/slide16.xml><?xml version="1.0" encoding="utf-8"?>
+<file path=ppt/slides/slide17.xml><?xml version="1.0" encoding="utf-8"?>
 <p:sld xmlns:a="http://schemas.openxmlformats.org/drawingml/2006/main" xmlns:r="http://schemas.openxmlformats.org/officeDocument/2006/relationships" xmlns:p="http://schemas.openxmlformats.org/presentationml/2006/main">
   <p:cSld>
     <p:spTree>
@@ -3505,7 +3672,7 @@
             <a:fld id="{9EA0BE3B-158A-4EDF-80DC-E394A0D1600F}" type="slidenum">
               <a:rPr lang="en-US" smtClean="0"/>
               <a:pPr/>
-              <a:t>16</a:t>
+              <a:t>17</a:t>
             </a:fld>
             <a:endParaRPr lang="en-US" dirty="0"/>
           </a:p>
@@ -3624,56 +3791,86 @@
         </p:nvSpPr>
         <p:spPr>
           <a:xfrm>
-            <a:off x="3653068" y="233265"/>
-            <a:ext cx="5127038" cy="6307235"/>
+            <a:off x="3451123" y="2349910"/>
+            <a:ext cx="5555225" cy="4190590"/>
           </a:xfrm>
         </p:spPr>
         <p:txBody>
-          <a:bodyPr anchor="ctr"/>
+          <a:bodyPr anchor="t"/>
           <a:lstStyle/>
           <a:p>
-            <a:pPr marL="0" indent="0" algn="ctr">
-              <a:buNone/>
+            <a:pPr marL="514350" indent="-514350">
+              <a:buAutoNum type="arabicPeriod"/>
             </a:pPr>
             <a:r>
-              <a:rPr lang="en-US">
+              <a:rPr lang="en-US" sz="2400" b="1">
                 <a:solidFill>
                   <a:schemeClr val="tx2">
                     <a:lumMod val="50000"/>
                   </a:schemeClr>
                 </a:solidFill>
               </a:rPr>
-              <a:t>Chương 1</a:t>
-            </a:r>
-          </a:p>
-          <a:p>
-            <a:pPr marL="0" indent="0" algn="ctr">
-              <a:buNone/>
+              <a:t>Khảo sát đặc tả yêu cầu bài toán</a:t>
+            </a:r>
+          </a:p>
+          <a:p>
+            <a:pPr marL="514350" indent="-514350">
+              <a:buAutoNum type="arabicPeriod"/>
             </a:pPr>
-            <a:endParaRPr lang="en-US">
-              <a:solidFill>
-                <a:schemeClr val="tx2">
-                  <a:lumMod val="50000"/>
-                </a:schemeClr>
-              </a:solidFill>
-            </a:endParaRPr>
-          </a:p>
-          <a:p>
-            <a:pPr marL="0" indent="0" algn="ctr">
-              <a:lnSpc>
-                <a:spcPct val="100000"/>
-              </a:lnSpc>
-              <a:buNone/>
-            </a:pPr>
-            <a:r>
-              <a:rPr lang="en-US" sz="3600" b="1">
+            <a:r>
+              <a:rPr lang="en-US" sz="2400" b="1">
                 <a:solidFill>
                   <a:schemeClr val="tx2">
                     <a:lumMod val="50000"/>
                   </a:schemeClr>
                 </a:solidFill>
               </a:rPr>
-              <a:t>KHẢO SÁT ĐẶC TẢ YÊU CẦU BÀI TOÁN</a:t>
+              <a:t>Phân tích thiết kế hệ thống</a:t>
+            </a:r>
+          </a:p>
+          <a:p>
+            <a:pPr marL="514350" indent="-514350">
+              <a:buAutoNum type="arabicPeriod"/>
+            </a:pPr>
+            <a:r>
+              <a:rPr lang="en-US" sz="2400" b="1">
+                <a:solidFill>
+                  <a:schemeClr val="tx2">
+                    <a:lumMod val="50000"/>
+                  </a:schemeClr>
+                </a:solidFill>
+              </a:rPr>
+              <a:t>Công nghệ sử dụng</a:t>
+            </a:r>
+          </a:p>
+          <a:p>
+            <a:pPr marL="514350" indent="-514350">
+              <a:buAutoNum type="arabicPeriod"/>
+            </a:pPr>
+            <a:r>
+              <a:rPr lang="en-US" sz="2400" b="1">
+                <a:solidFill>
+                  <a:schemeClr val="tx2">
+                    <a:lumMod val="50000"/>
+                  </a:schemeClr>
+                </a:solidFill>
+              </a:rPr>
+              <a:t>Phân tích đặc tính hướng đối tượng</a:t>
+            </a:r>
+          </a:p>
+          <a:p>
+            <a:pPr marL="514350" indent="-514350">
+              <a:buAutoNum type="arabicPeriod"/>
+            </a:pPr>
+            <a:r>
+              <a:rPr lang="en-US" sz="2400" b="1">
+                <a:solidFill>
+                  <a:schemeClr val="tx2">
+                    <a:lumMod val="50000"/>
+                  </a:schemeClr>
+                </a:solidFill>
+              </a:rPr>
+              <a:t>Demo chương trình</a:t>
             </a:r>
           </a:p>
         </p:txBody>
@@ -3705,6 +3902,212 @@
               <a:t>2</a:t>
             </a:fld>
             <a:endParaRPr lang="en-US" dirty="0"/>
+          </a:p>
+        </p:txBody>
+      </p:sp>
+      <p:sp>
+        <p:nvSpPr>
+          <p:cNvPr id="2" name="Text Placeholder 2">
+            <a:extLst>
+              <a:ext uri="{FF2B5EF4-FFF2-40B4-BE49-F238E27FC236}">
+                <a16:creationId xmlns:a16="http://schemas.microsoft.com/office/drawing/2014/main" id="{B7C1B683-9DA9-DA7A-C2A5-A03AA70E8862}"/>
+              </a:ext>
+            </a:extLst>
+          </p:cNvPr>
+          <p:cNvSpPr txBox="1">
+            <a:spLocks/>
+          </p:cNvSpPr>
+          <p:nvPr/>
+        </p:nvSpPr>
+        <p:spPr>
+          <a:xfrm>
+            <a:off x="3653068" y="317500"/>
+            <a:ext cx="5127038" cy="1047055"/>
+          </a:xfrm>
+          <a:prstGeom prst="rect">
+            <a:avLst/>
+          </a:prstGeom>
+        </p:spPr>
+        <p:txBody>
+          <a:bodyPr anchor="t"/>
+          <a:lstStyle>
+            <a:lvl1pPr marL="228600" indent="-228600" algn="l" defTabSz="914400" rtl="0" eaLnBrk="1" latinLnBrk="0" hangingPunct="1">
+              <a:lnSpc>
+                <a:spcPct val="90000"/>
+              </a:lnSpc>
+              <a:spcBef>
+                <a:spcPts val="1000"/>
+              </a:spcBef>
+              <a:buFont typeface="Arial" panose="020B0604020202020204" pitchFamily="34" charset="0"/>
+              <a:buChar char="•"/>
+              <a:defRPr sz="2800" kern="1200">
+                <a:solidFill>
+                  <a:schemeClr val="tx1"/>
+                </a:solidFill>
+                <a:latin typeface="Lato" panose="020F0502020204030203" pitchFamily="34" charset="0"/>
+                <a:ea typeface="Lato" panose="020F0502020204030203" pitchFamily="34" charset="0"/>
+                <a:cs typeface="Lato" panose="020F0502020204030203" pitchFamily="34" charset="0"/>
+              </a:defRPr>
+            </a:lvl1pPr>
+            <a:lvl2pPr marL="685800" indent="-228600" algn="l" defTabSz="914400" rtl="0" eaLnBrk="1" latinLnBrk="0" hangingPunct="1">
+              <a:lnSpc>
+                <a:spcPct val="90000"/>
+              </a:lnSpc>
+              <a:spcBef>
+                <a:spcPts val="500"/>
+              </a:spcBef>
+              <a:buFont typeface="Arial" panose="020B0604020202020204" pitchFamily="34" charset="0"/>
+              <a:buChar char="•"/>
+              <a:defRPr sz="2400" kern="1200">
+                <a:solidFill>
+                  <a:schemeClr val="tx1"/>
+                </a:solidFill>
+                <a:latin typeface="Lato" panose="020F0502020204030203" pitchFamily="34" charset="0"/>
+                <a:ea typeface="Lato" panose="020F0502020204030203" pitchFamily="34" charset="0"/>
+                <a:cs typeface="Lato" panose="020F0502020204030203" pitchFamily="34" charset="0"/>
+              </a:defRPr>
+            </a:lvl2pPr>
+            <a:lvl3pPr marL="1143000" indent="-228600" algn="l" defTabSz="914400" rtl="0" eaLnBrk="1" latinLnBrk="0" hangingPunct="1">
+              <a:lnSpc>
+                <a:spcPct val="90000"/>
+              </a:lnSpc>
+              <a:spcBef>
+                <a:spcPts val="500"/>
+              </a:spcBef>
+              <a:buFont typeface="Arial" panose="020B0604020202020204" pitchFamily="34" charset="0"/>
+              <a:buChar char="•"/>
+              <a:defRPr sz="2000" kern="1200">
+                <a:solidFill>
+                  <a:schemeClr val="tx1"/>
+                </a:solidFill>
+                <a:latin typeface="Lato" panose="020F0502020204030203" pitchFamily="34" charset="0"/>
+                <a:ea typeface="Lato" panose="020F0502020204030203" pitchFamily="34" charset="0"/>
+                <a:cs typeface="Lato" panose="020F0502020204030203" pitchFamily="34" charset="0"/>
+              </a:defRPr>
+            </a:lvl3pPr>
+            <a:lvl4pPr marL="1600200" indent="-228600" algn="l" defTabSz="914400" rtl="0" eaLnBrk="1" latinLnBrk="0" hangingPunct="1">
+              <a:lnSpc>
+                <a:spcPct val="90000"/>
+              </a:lnSpc>
+              <a:spcBef>
+                <a:spcPts val="500"/>
+              </a:spcBef>
+              <a:buFont typeface="Arial" panose="020B0604020202020204" pitchFamily="34" charset="0"/>
+              <a:buChar char="•"/>
+              <a:defRPr sz="1800" kern="1200">
+                <a:solidFill>
+                  <a:schemeClr val="tx1"/>
+                </a:solidFill>
+                <a:latin typeface="Lato" panose="020F0502020204030203" pitchFamily="34" charset="0"/>
+                <a:ea typeface="Lato" panose="020F0502020204030203" pitchFamily="34" charset="0"/>
+                <a:cs typeface="Lato" panose="020F0502020204030203" pitchFamily="34" charset="0"/>
+              </a:defRPr>
+            </a:lvl4pPr>
+            <a:lvl5pPr marL="2057400" indent="-228600" algn="l" defTabSz="914400" rtl="0" eaLnBrk="1" latinLnBrk="0" hangingPunct="1">
+              <a:lnSpc>
+                <a:spcPct val="90000"/>
+              </a:lnSpc>
+              <a:spcBef>
+                <a:spcPts val="500"/>
+              </a:spcBef>
+              <a:buFont typeface="Arial" panose="020B0604020202020204" pitchFamily="34" charset="0"/>
+              <a:buChar char="•"/>
+              <a:defRPr sz="1800" kern="1200">
+                <a:solidFill>
+                  <a:schemeClr val="tx1"/>
+                </a:solidFill>
+                <a:latin typeface="Lato" panose="020F0502020204030203" pitchFamily="34" charset="0"/>
+                <a:ea typeface="Lato" panose="020F0502020204030203" pitchFamily="34" charset="0"/>
+                <a:cs typeface="Lato" panose="020F0502020204030203" pitchFamily="34" charset="0"/>
+              </a:defRPr>
+            </a:lvl5pPr>
+            <a:lvl6pPr marL="2514600" indent="-228600" algn="l" defTabSz="914400" rtl="0" eaLnBrk="1" latinLnBrk="0" hangingPunct="1">
+              <a:lnSpc>
+                <a:spcPct val="90000"/>
+              </a:lnSpc>
+              <a:spcBef>
+                <a:spcPts val="500"/>
+              </a:spcBef>
+              <a:buFont typeface="Arial" panose="020B0604020202020204" pitchFamily="34" charset="0"/>
+              <a:buChar char="•"/>
+              <a:defRPr sz="1800" kern="1200">
+                <a:solidFill>
+                  <a:schemeClr val="tx1"/>
+                </a:solidFill>
+                <a:latin typeface="+mn-lt"/>
+                <a:ea typeface="+mn-ea"/>
+                <a:cs typeface="+mn-cs"/>
+              </a:defRPr>
+            </a:lvl6pPr>
+            <a:lvl7pPr marL="2971800" indent="-228600" algn="l" defTabSz="914400" rtl="0" eaLnBrk="1" latinLnBrk="0" hangingPunct="1">
+              <a:lnSpc>
+                <a:spcPct val="90000"/>
+              </a:lnSpc>
+              <a:spcBef>
+                <a:spcPts val="500"/>
+              </a:spcBef>
+              <a:buFont typeface="Arial" panose="020B0604020202020204" pitchFamily="34" charset="0"/>
+              <a:buChar char="•"/>
+              <a:defRPr sz="1800" kern="1200">
+                <a:solidFill>
+                  <a:schemeClr val="tx1"/>
+                </a:solidFill>
+                <a:latin typeface="+mn-lt"/>
+                <a:ea typeface="+mn-ea"/>
+                <a:cs typeface="+mn-cs"/>
+              </a:defRPr>
+            </a:lvl7pPr>
+            <a:lvl8pPr marL="3429000" indent="-228600" algn="l" defTabSz="914400" rtl="0" eaLnBrk="1" latinLnBrk="0" hangingPunct="1">
+              <a:lnSpc>
+                <a:spcPct val="90000"/>
+              </a:lnSpc>
+              <a:spcBef>
+                <a:spcPts val="500"/>
+              </a:spcBef>
+              <a:buFont typeface="Arial" panose="020B0604020202020204" pitchFamily="34" charset="0"/>
+              <a:buChar char="•"/>
+              <a:defRPr sz="1800" kern="1200">
+                <a:solidFill>
+                  <a:schemeClr val="tx1"/>
+                </a:solidFill>
+                <a:latin typeface="+mn-lt"/>
+                <a:ea typeface="+mn-ea"/>
+                <a:cs typeface="+mn-cs"/>
+              </a:defRPr>
+            </a:lvl8pPr>
+            <a:lvl9pPr marL="3886200" indent="-228600" algn="l" defTabSz="914400" rtl="0" eaLnBrk="1" latinLnBrk="0" hangingPunct="1">
+              <a:lnSpc>
+                <a:spcPct val="90000"/>
+              </a:lnSpc>
+              <a:spcBef>
+                <a:spcPts val="500"/>
+              </a:spcBef>
+              <a:buFont typeface="Arial" panose="020B0604020202020204" pitchFamily="34" charset="0"/>
+              <a:buChar char="•"/>
+              <a:defRPr sz="1800" kern="1200">
+                <a:solidFill>
+                  <a:schemeClr val="tx1"/>
+                </a:solidFill>
+                <a:latin typeface="+mn-lt"/>
+                <a:ea typeface="+mn-ea"/>
+                <a:cs typeface="+mn-cs"/>
+              </a:defRPr>
+            </a:lvl9pPr>
+          </a:lstStyle>
+          <a:p>
+            <a:pPr marL="0" indent="0">
+              <a:buNone/>
+            </a:pPr>
+            <a:r>
+              <a:rPr lang="en-US" sz="4000" b="1">
+                <a:solidFill>
+                  <a:schemeClr val="tx2">
+                    <a:lumMod val="50000"/>
+                  </a:schemeClr>
+                </a:solidFill>
+              </a:rPr>
+              <a:t>Mục lục</a:t>
+            </a:r>
           </a:p>
         </p:txBody>
       </p:sp>
@@ -3726,6 +4129,144 @@
   <p:cSld>
     <p:spTree>
       <p:nvGrpSpPr>
+        <p:cNvPr id="1" name="">
+          <a:extLst>
+            <a:ext uri="{FF2B5EF4-FFF2-40B4-BE49-F238E27FC236}">
+              <a16:creationId xmlns:a16="http://schemas.microsoft.com/office/drawing/2014/main" id="{281F2AC3-8C62-B342-93D3-11ADDA1D3D2D}"/>
+            </a:ext>
+          </a:extLst>
+        </p:cNvPr>
+        <p:cNvGrpSpPr/>
+        <p:nvPr/>
+      </p:nvGrpSpPr>
+      <p:grpSpPr>
+        <a:xfrm>
+          <a:off x="0" y="0"/>
+          <a:ext cx="0" cy="0"/>
+          <a:chOff x="0" y="0"/>
+          <a:chExt cx="0" cy="0"/>
+        </a:xfrm>
+      </p:grpSpPr>
+      <p:sp>
+        <p:nvSpPr>
+          <p:cNvPr id="3" name="Text Placeholder 2">
+            <a:extLst>
+              <a:ext uri="{FF2B5EF4-FFF2-40B4-BE49-F238E27FC236}">
+                <a16:creationId xmlns:a16="http://schemas.microsoft.com/office/drawing/2014/main" id="{5E301A1F-1F01-12FD-0C9C-577B2B4F526C}"/>
+              </a:ext>
+            </a:extLst>
+          </p:cNvPr>
+          <p:cNvSpPr>
+            <a:spLocks noGrp="1"/>
+          </p:cNvSpPr>
+          <p:nvPr>
+            <p:ph type="body" sz="quarter" idx="13"/>
+          </p:nvPr>
+        </p:nvSpPr>
+        <p:spPr>
+          <a:xfrm>
+            <a:off x="3653068" y="233265"/>
+            <a:ext cx="5127038" cy="6307235"/>
+          </a:xfrm>
+        </p:spPr>
+        <p:txBody>
+          <a:bodyPr anchor="ctr"/>
+          <a:lstStyle/>
+          <a:p>
+            <a:pPr marL="0" indent="0" algn="ctr">
+              <a:buNone/>
+            </a:pPr>
+            <a:r>
+              <a:rPr lang="en-US">
+                <a:solidFill>
+                  <a:schemeClr val="tx2">
+                    <a:lumMod val="50000"/>
+                  </a:schemeClr>
+                </a:solidFill>
+              </a:rPr>
+              <a:t>Chương 1</a:t>
+            </a:r>
+          </a:p>
+          <a:p>
+            <a:pPr marL="0" indent="0" algn="ctr">
+              <a:buNone/>
+            </a:pPr>
+            <a:endParaRPr lang="en-US">
+              <a:solidFill>
+                <a:schemeClr val="tx2">
+                  <a:lumMod val="50000"/>
+                </a:schemeClr>
+              </a:solidFill>
+            </a:endParaRPr>
+          </a:p>
+          <a:p>
+            <a:pPr marL="0" indent="0" algn="ctr">
+              <a:lnSpc>
+                <a:spcPct val="100000"/>
+              </a:lnSpc>
+              <a:buNone/>
+            </a:pPr>
+            <a:r>
+              <a:rPr lang="en-US" sz="3600" b="1">
+                <a:solidFill>
+                  <a:schemeClr val="tx2">
+                    <a:lumMod val="50000"/>
+                  </a:schemeClr>
+                </a:solidFill>
+              </a:rPr>
+              <a:t>KHẢO SÁT ĐẶC TẢ YÊU CẦU BÀI TOÁN</a:t>
+            </a:r>
+          </a:p>
+        </p:txBody>
+      </p:sp>
+      <p:sp>
+        <p:nvSpPr>
+          <p:cNvPr id="4" name="Slide Number Placeholder 3">
+            <a:extLst>
+              <a:ext uri="{FF2B5EF4-FFF2-40B4-BE49-F238E27FC236}">
+                <a16:creationId xmlns:a16="http://schemas.microsoft.com/office/drawing/2014/main" id="{DE5D0E44-E7E1-51BE-5BC2-81023E047C1B}"/>
+              </a:ext>
+            </a:extLst>
+          </p:cNvPr>
+          <p:cNvSpPr>
+            <a:spLocks noGrp="1"/>
+          </p:cNvSpPr>
+          <p:nvPr>
+            <p:ph type="sldNum" sz="quarter" idx="12"/>
+          </p:nvPr>
+        </p:nvSpPr>
+        <p:spPr/>
+        <p:txBody>
+          <a:bodyPr/>
+          <a:lstStyle/>
+          <a:p>
+            <a:fld id="{9EA0BE3B-158A-4EDF-80DC-E394A0D1600F}" type="slidenum">
+              <a:rPr lang="en-US" smtClean="0"/>
+              <a:pPr/>
+              <a:t>3</a:t>
+            </a:fld>
+            <a:endParaRPr lang="en-US" dirty="0"/>
+          </a:p>
+        </p:txBody>
+      </p:sp>
+    </p:spTree>
+    <p:extLst>
+      <p:ext uri="{BB962C8B-B14F-4D97-AF65-F5344CB8AC3E}">
+        <p14:creationId xmlns:p14="http://schemas.microsoft.com/office/powerpoint/2010/main" val="2225925917"/>
+      </p:ext>
+    </p:extLst>
+  </p:cSld>
+  <p:clrMapOvr>
+    <a:masterClrMapping/>
+  </p:clrMapOvr>
+</p:sld>
+</file>
+
+<file path=ppt/slides/slide4.xml><?xml version="1.0" encoding="utf-8"?>
+<p:sld xmlns:a="http://schemas.openxmlformats.org/drawingml/2006/main" xmlns:r="http://schemas.openxmlformats.org/officeDocument/2006/relationships" xmlns:p="http://schemas.openxmlformats.org/presentationml/2006/main">
+  <p:cSld>
+    <p:spTree>
+      <p:nvGrpSpPr>
         <p:cNvPr id="1" name=""/>
         <p:cNvGrpSpPr/>
         <p:nvPr/>
@@ -3762,7 +4303,7 @@
             <a:fld id="{9EA0BE3B-158A-4EDF-80DC-E394A0D1600F}" type="slidenum">
               <a:rPr lang="en-US" smtClean="0"/>
               <a:pPr/>
-              <a:t>3</a:t>
+              <a:t>4</a:t>
             </a:fld>
             <a:endParaRPr lang="en-US" dirty="0"/>
           </a:p>
@@ -3876,7 +4417,7 @@
 </p:sld>
 </file>
 
-<file path=ppt/slides/slide4.xml><?xml version="1.0" encoding="utf-8"?>
+<file path=ppt/slides/slide5.xml><?xml version="1.0" encoding="utf-8"?>
 <p:sld xmlns:a="http://schemas.openxmlformats.org/drawingml/2006/main" xmlns:r="http://schemas.openxmlformats.org/officeDocument/2006/relationships" xmlns:p="http://schemas.openxmlformats.org/presentationml/2006/main">
   <p:cSld>
     <p:spTree>
@@ -3923,7 +4464,7 @@
             <a:fld id="{9EA0BE3B-158A-4EDF-80DC-E394A0D1600F}" type="slidenum">
               <a:rPr lang="en-US" smtClean="0"/>
               <a:pPr/>
-              <a:t>4</a:t>
+              <a:t>5</a:t>
             </a:fld>
             <a:endParaRPr lang="en-US" dirty="0"/>
           </a:p>
@@ -4005,7 +4546,7 @@
 </p:sld>
 </file>
 
-<file path=ppt/slides/slide5.xml><?xml version="1.0" encoding="utf-8"?>
+<file path=ppt/slides/slide6.xml><?xml version="1.0" encoding="utf-8"?>
 <p:sld xmlns:a="http://schemas.openxmlformats.org/drawingml/2006/main" xmlns:r="http://schemas.openxmlformats.org/officeDocument/2006/relationships" xmlns:p="http://schemas.openxmlformats.org/presentationml/2006/main">
   <p:cSld>
     <p:spTree>
@@ -4124,7 +4665,7 @@
             <a:fld id="{9EA0BE3B-158A-4EDF-80DC-E394A0D1600F}" type="slidenum">
               <a:rPr lang="en-US" smtClean="0"/>
               <a:pPr/>
-              <a:t>5</a:t>
+              <a:t>6</a:t>
             </a:fld>
             <a:endParaRPr lang="en-US" dirty="0"/>
           </a:p>
@@ -4143,7 +4684,7 @@
 </p:sld>
 </file>
 
-<file path=ppt/slides/slide6.xml><?xml version="1.0" encoding="utf-8"?>
+<file path=ppt/slides/slide7.xml><?xml version="1.0" encoding="utf-8"?>
 <p:sld xmlns:a="http://schemas.openxmlformats.org/drawingml/2006/main" xmlns:r="http://schemas.openxmlformats.org/officeDocument/2006/relationships" xmlns:p="http://schemas.openxmlformats.org/presentationml/2006/main">
   <p:cSld>
     <p:spTree>
@@ -4190,7 +4731,7 @@
             <a:fld id="{9EA0BE3B-158A-4EDF-80DC-E394A0D1600F}" type="slidenum">
               <a:rPr lang="en-US" smtClean="0"/>
               <a:pPr/>
-              <a:t>6</a:t>
+              <a:t>7</a:t>
             </a:fld>
             <a:endParaRPr lang="en-US" dirty="0"/>
           </a:p>
@@ -4297,7 +4838,7 @@
 </p:sld>
 </file>
 
-<file path=ppt/slides/slide7.xml><?xml version="1.0" encoding="utf-8"?>
+<file path=ppt/slides/slide8.xml><?xml version="1.0" encoding="utf-8"?>
 <p:sld xmlns:a="http://schemas.openxmlformats.org/drawingml/2006/main" xmlns:r="http://schemas.openxmlformats.org/officeDocument/2006/relationships" xmlns:p="http://schemas.openxmlformats.org/presentationml/2006/main">
   <p:cSld>
     <p:spTree>
@@ -4344,7 +4885,7 @@
             <a:fld id="{9EA0BE3B-158A-4EDF-80DC-E394A0D1600F}" type="slidenum">
               <a:rPr lang="en-US" smtClean="0"/>
               <a:pPr/>
-              <a:t>7</a:t>
+              <a:t>8</a:t>
             </a:fld>
             <a:endParaRPr lang="en-US" dirty="0"/>
           </a:p>
@@ -4426,7 +4967,7 @@
 </p:sld>
 </file>
 
-<file path=ppt/slides/slide8.xml><?xml version="1.0" encoding="utf-8"?>
+<file path=ppt/slides/slide9.xml><?xml version="1.0" encoding="utf-8"?>
 <p:sld xmlns:a="http://schemas.openxmlformats.org/drawingml/2006/main" xmlns:r="http://schemas.openxmlformats.org/officeDocument/2006/relationships" xmlns:p="http://schemas.openxmlformats.org/presentationml/2006/main">
   <p:cSld>
     <p:spTree>
@@ -4434,7 +4975,7 @@
         <p:cNvPr id="1" name="">
           <a:extLst>
             <a:ext uri="{FF2B5EF4-FFF2-40B4-BE49-F238E27FC236}">
-              <a16:creationId xmlns:a16="http://schemas.microsoft.com/office/drawing/2014/main" id="{B7719E11-D789-2894-CD2E-F8FEF1272FE8}"/>
+              <a16:creationId xmlns:a16="http://schemas.microsoft.com/office/drawing/2014/main" id="{F6D873BB-FE85-FB2A-4024-4AAD8D5E7DF6}"/>
             </a:ext>
           </a:extLst>
         </p:cNvPr>
@@ -4454,7 +4995,7 @@
           <p:cNvPr id="3" name="Text Placeholder 2">
             <a:extLst>
               <a:ext uri="{FF2B5EF4-FFF2-40B4-BE49-F238E27FC236}">
-                <a16:creationId xmlns:a16="http://schemas.microsoft.com/office/drawing/2014/main" id="{3268AFE9-7D5C-1BB4-8B1F-20C26F0EAEAD}"/>
+                <a16:creationId xmlns:a16="http://schemas.microsoft.com/office/drawing/2014/main" id="{91C5437C-0FAA-9CBB-7368-CA07B5765123}"/>
               </a:ext>
             </a:extLst>
           </p:cNvPr>
@@ -4516,7 +5057,7 @@
                   </a:schemeClr>
                 </a:solidFill>
               </a:rPr>
-              <a:t>PHÂN TÍCH ĐẶC TÍNH HƯỚNG ĐỐI TƯỢNG</a:t>
+              <a:t>CÔNG NGHỆ SỬ DỤNG</a:t>
             </a:r>
           </a:p>
         </p:txBody>
@@ -4526,73 +5067,7 @@
           <p:cNvPr id="4" name="Slide Number Placeholder 3">
             <a:extLst>
               <a:ext uri="{FF2B5EF4-FFF2-40B4-BE49-F238E27FC236}">
-                <a16:creationId xmlns:a16="http://schemas.microsoft.com/office/drawing/2014/main" id="{FF801A17-FD2E-0C75-9CFF-B8CD0A308FCC}"/>
-              </a:ext>
-            </a:extLst>
-          </p:cNvPr>
-          <p:cNvSpPr>
-            <a:spLocks noGrp="1"/>
-          </p:cNvSpPr>
-          <p:nvPr>
-            <p:ph type="sldNum" sz="quarter" idx="12"/>
-          </p:nvPr>
-        </p:nvSpPr>
-        <p:spPr/>
-        <p:txBody>
-          <a:bodyPr/>
-          <a:lstStyle/>
-          <a:p>
-            <a:fld id="{9EA0BE3B-158A-4EDF-80DC-E394A0D1600F}" type="slidenum">
-              <a:rPr lang="en-US" smtClean="0"/>
-              <a:pPr/>
-              <a:t>8</a:t>
-            </a:fld>
-            <a:endParaRPr lang="en-US" dirty="0"/>
-          </a:p>
-        </p:txBody>
-      </p:sp>
-    </p:spTree>
-    <p:extLst>
-      <p:ext uri="{BB962C8B-B14F-4D97-AF65-F5344CB8AC3E}">
-        <p14:creationId xmlns:p14="http://schemas.microsoft.com/office/powerpoint/2010/main" val="231343195"/>
-      </p:ext>
-    </p:extLst>
-  </p:cSld>
-  <p:clrMapOvr>
-    <a:masterClrMapping/>
-  </p:clrMapOvr>
-</p:sld>
-</file>
-
-<file path=ppt/slides/slide9.xml><?xml version="1.0" encoding="utf-8"?>
-<p:sld xmlns:a="http://schemas.openxmlformats.org/drawingml/2006/main" xmlns:r="http://schemas.openxmlformats.org/officeDocument/2006/relationships" xmlns:p="http://schemas.openxmlformats.org/presentationml/2006/main">
-  <p:cSld>
-    <p:spTree>
-      <p:nvGrpSpPr>
-        <p:cNvPr id="1" name="">
-          <a:extLst>
-            <a:ext uri="{FF2B5EF4-FFF2-40B4-BE49-F238E27FC236}">
-              <a16:creationId xmlns:a16="http://schemas.microsoft.com/office/drawing/2014/main" id="{A38539ED-6147-C4FA-36F3-0FDD79369498}"/>
-            </a:ext>
-          </a:extLst>
-        </p:cNvPr>
-        <p:cNvGrpSpPr/>
-        <p:nvPr/>
-      </p:nvGrpSpPr>
-      <p:grpSpPr>
-        <a:xfrm>
-          <a:off x="0" y="0"/>
-          <a:ext cx="0" cy="0"/>
-          <a:chOff x="0" y="0"/>
-          <a:chExt cx="0" cy="0"/>
-        </a:xfrm>
-      </p:grpSpPr>
-      <p:sp>
-        <p:nvSpPr>
-          <p:cNvPr id="2" name="Slide Number Placeholder 1">
-            <a:extLst>
-              <a:ext uri="{FF2B5EF4-FFF2-40B4-BE49-F238E27FC236}">
-                <a16:creationId xmlns:a16="http://schemas.microsoft.com/office/drawing/2014/main" id="{AA94532D-7AA5-AF56-59FF-09CFE5A051E3}"/>
+                <a16:creationId xmlns:a16="http://schemas.microsoft.com/office/drawing/2014/main" id="{7BDF20BE-80FB-25FD-6281-B011D7494422}"/>
               </a:ext>
             </a:extLst>
           </p:cNvPr>
@@ -4617,110 +5092,10 @@
           </a:p>
         </p:txBody>
       </p:sp>
-      <p:sp>
-        <p:nvSpPr>
-          <p:cNvPr id="3" name="Title 2">
-            <a:extLst>
-              <a:ext uri="{FF2B5EF4-FFF2-40B4-BE49-F238E27FC236}">
-                <a16:creationId xmlns:a16="http://schemas.microsoft.com/office/drawing/2014/main" id="{46224271-C29D-A607-B922-E0A9DC96C9EF}"/>
-              </a:ext>
-            </a:extLst>
-          </p:cNvPr>
-          <p:cNvSpPr>
-            <a:spLocks noGrp="1"/>
-          </p:cNvSpPr>
-          <p:nvPr>
-            <p:ph type="title"/>
-          </p:nvPr>
-        </p:nvSpPr>
-        <p:spPr/>
-        <p:txBody>
-          <a:bodyPr/>
-          <a:lstStyle/>
-          <a:p>
-            <a:r>
-              <a:rPr lang="en-US"/>
-              <a:t>3.1. Tính đóng gói</a:t>
-            </a:r>
-          </a:p>
-        </p:txBody>
-      </p:sp>
-      <p:pic>
-        <p:nvPicPr>
-          <p:cNvPr id="6" name="Picture 5" descr="A screenshot of a computer screen&#10;&#10;Description automatically generated">
-            <a:extLst>
-              <a:ext uri="{FF2B5EF4-FFF2-40B4-BE49-F238E27FC236}">
-                <a16:creationId xmlns:a16="http://schemas.microsoft.com/office/drawing/2014/main" id="{EE70F5E8-567C-5BD9-B02B-52CEB8EDE602}"/>
-              </a:ext>
-            </a:extLst>
-          </p:cNvPr>
-          <p:cNvPicPr>
-            <a:picLocks noChangeAspect="1"/>
-          </p:cNvPicPr>
-          <p:nvPr/>
-        </p:nvPicPr>
-        <p:blipFill>
-          <a:blip r:embed="rId2">
-            <a:extLst>
-              <a:ext uri="{28A0092B-C50C-407E-A947-70E740481C1C}">
-                <a14:useLocalDpi xmlns:a14="http://schemas.microsoft.com/office/drawing/2010/main" val="0"/>
-              </a:ext>
-            </a:extLst>
-          </a:blip>
-          <a:stretch>
-            <a:fillRect/>
-          </a:stretch>
-        </p:blipFill>
-        <p:spPr>
-          <a:xfrm>
-            <a:off x="1922566" y="909338"/>
-            <a:ext cx="5298868" cy="1675126"/>
-          </a:xfrm>
-          <a:prstGeom prst="rect">
-            <a:avLst/>
-          </a:prstGeom>
-        </p:spPr>
-      </p:pic>
-      <p:pic>
-        <p:nvPicPr>
-          <p:cNvPr id="8" name="Picture 7" descr="A screen shot of a computer program&#10;&#10;Description automatically generated">
-            <a:extLst>
-              <a:ext uri="{FF2B5EF4-FFF2-40B4-BE49-F238E27FC236}">
-                <a16:creationId xmlns:a16="http://schemas.microsoft.com/office/drawing/2014/main" id="{D9ABAA3B-6B2C-70DB-4E93-DCD70A1BA866}"/>
-              </a:ext>
-            </a:extLst>
-          </p:cNvPr>
-          <p:cNvPicPr>
-            <a:picLocks noChangeAspect="1"/>
-          </p:cNvPicPr>
-          <p:nvPr/>
-        </p:nvPicPr>
-        <p:blipFill>
-          <a:blip r:embed="rId3">
-            <a:extLst>
-              <a:ext uri="{28A0092B-C50C-407E-A947-70E740481C1C}">
-                <a14:useLocalDpi xmlns:a14="http://schemas.microsoft.com/office/drawing/2010/main" val="0"/>
-              </a:ext>
-            </a:extLst>
-          </a:blip>
-          <a:stretch>
-            <a:fillRect/>
-          </a:stretch>
-        </p:blipFill>
-        <p:spPr>
-          <a:xfrm>
-            <a:off x="1922566" y="3114420"/>
-            <a:ext cx="5298867" cy="3078720"/>
-          </a:xfrm>
-          <a:prstGeom prst="rect">
-            <a:avLst/>
-          </a:prstGeom>
-        </p:spPr>
-      </p:pic>
     </p:spTree>
     <p:extLst>
       <p:ext uri="{BB962C8B-B14F-4D97-AF65-F5344CB8AC3E}">
-        <p14:creationId xmlns:p14="http://schemas.microsoft.com/office/powerpoint/2010/main" val="4192866200"/>
+        <p14:creationId xmlns:p14="http://schemas.microsoft.com/office/powerpoint/2010/main" val="4248380385"/>
       </p:ext>
     </p:extLst>
   </p:cSld>

--- a/report/slide.pptx
+++ b/report/slide.pptx
@@ -5,10 +5,10 @@
     <p:sldMasterId id="2147483658" r:id="rId1"/>
   </p:sldMasterIdLst>
   <p:notesMasterIdLst>
-    <p:notesMasterId r:id="rId19"/>
+    <p:notesMasterId r:id="rId20"/>
   </p:notesMasterIdLst>
   <p:handoutMasterIdLst>
-    <p:handoutMasterId r:id="rId20"/>
+    <p:handoutMasterId r:id="rId21"/>
   </p:handoutMasterIdLst>
   <p:sldIdLst>
     <p:sldId id="257" r:id="rId2"/>
@@ -19,15 +19,16 @@
     <p:sldId id="271" r:id="rId7"/>
     <p:sldId id="275" r:id="rId8"/>
     <p:sldId id="278" r:id="rId9"/>
-    <p:sldId id="273" r:id="rId10"/>
-    <p:sldId id="279" r:id="rId11"/>
-    <p:sldId id="272" r:id="rId12"/>
-    <p:sldId id="277" r:id="rId13"/>
-    <p:sldId id="280" r:id="rId14"/>
-    <p:sldId id="281" r:id="rId15"/>
-    <p:sldId id="282" r:id="rId16"/>
-    <p:sldId id="274" r:id="rId17"/>
-    <p:sldId id="269" r:id="rId18"/>
+    <p:sldId id="284" r:id="rId10"/>
+    <p:sldId id="273" r:id="rId11"/>
+    <p:sldId id="279" r:id="rId12"/>
+    <p:sldId id="272" r:id="rId13"/>
+    <p:sldId id="277" r:id="rId14"/>
+    <p:sldId id="280" r:id="rId15"/>
+    <p:sldId id="281" r:id="rId16"/>
+    <p:sldId id="282" r:id="rId17"/>
+    <p:sldId id="274" r:id="rId18"/>
+    <p:sldId id="269" r:id="rId19"/>
   </p:sldIdLst>
   <p:sldSz cx="9144000" cy="6858000" type="screen4x3"/>
   <p:notesSz cx="6858000" cy="9144000"/>
@@ -228,7 +229,7 @@
           <a:p>
             <a:fld id="{48B45424-6BAC-416C-8F6C-5F9DE854A36B}" type="datetimeFigureOut">
               <a:rPr lang="en-US" smtClean="0"/>
-              <a:t>1/3/2025</a:t>
+              <a:t>1/4/2025</a:t>
             </a:fld>
             <a:endParaRPr lang="en-US"/>
           </a:p>
@@ -406,7 +407,7 @@
           <a:p>
             <a:fld id="{6B733702-C25A-40B9-9167-54BAA79B29B0}" type="datetimeFigureOut">
               <a:rPr lang="en-US" smtClean="0"/>
-              <a:t>1/3/2025</a:t>
+              <a:t>1/4/2025</a:t>
             </a:fld>
             <a:endParaRPr lang="en-US"/>
           </a:p>
@@ -720,7 +721,7 @@
           <a:p>
             <a:r>
               <a:rPr lang="en-US"/>
-              <a:t>Nó chỉ ra "Cái gì" cần làm, chứ không chỉ rõ "Làm thế nào" để làm</a:t>
+              <a:t>Nó chỉ ra "Cái gì" cần làm, chứ không chỉ rõ "Làm thế nào"</a:t>
             </a:r>
           </a:p>
         </p:txBody>
@@ -742,7 +743,7 @@
           <a:p>
             <a:fld id="{AB2FC7A4-3D1B-482D-8C9D-7642A2CE3076}" type="slidenum">
               <a:rPr lang="en-US" smtClean="0"/>
-              <a:t>14</a:t>
+              <a:t>15</a:t>
             </a:fld>
             <a:endParaRPr lang="en-US"/>
           </a:p>
@@ -823,10 +824,7 @@
           <a:bodyPr/>
           <a:lstStyle/>
           <a:p>
-            <a:r>
-              <a:rPr lang="en-US"/>
-              <a:t>Nó chỉ ra "Cái gì" cần làm, chứ không chỉ rõ "Làm thế nào" để làm</a:t>
-            </a:r>
+            <a:endParaRPr lang="en-US"/>
           </a:p>
         </p:txBody>
       </p:sp>
@@ -853,7 +851,7 @@
           <a:p>
             <a:fld id="{AB2FC7A4-3D1B-482D-8C9D-7642A2CE3076}" type="slidenum">
               <a:rPr lang="en-US" smtClean="0"/>
-              <a:t>15</a:t>
+              <a:t>16</a:t>
             </a:fld>
             <a:endParaRPr lang="en-US"/>
           </a:p>
@@ -990,7 +988,7 @@
             <a:fld id="{F70EAA40-3A53-4A3D-924A-D38F1059C7D5}" type="datetime1">
               <a:rPr lang="en-US" smtClean="0"/>
               <a:pPr/>
-              <a:t>1/3/2025</a:t>
+              <a:t>1/4/2025</a:t>
             </a:fld>
             <a:endParaRPr lang="en-US"/>
           </a:p>
@@ -1474,7 +1472,7 @@
             <a:fld id="{F70EAA40-3A53-4A3D-924A-D38F1059C7D5}" type="datetime1">
               <a:rPr lang="en-US" smtClean="0"/>
               <a:pPr/>
-              <a:t>1/3/2025</a:t>
+              <a:t>1/4/2025</a:t>
             </a:fld>
             <a:endParaRPr lang="en-US"/>
           </a:p>
@@ -1662,7 +1660,7 @@
             <a:fld id="{F70EAA40-3A53-4A3D-924A-D38F1059C7D5}" type="datetime1">
               <a:rPr lang="en-US" smtClean="0"/>
               <a:pPr/>
-              <a:t>1/3/2025</a:t>
+              <a:t>1/4/2025</a:t>
             </a:fld>
             <a:endParaRPr lang="en-US"/>
           </a:p>
@@ -2470,6 +2468,144 @@
         <p:cNvPr id="1" name="">
           <a:extLst>
             <a:ext uri="{FF2B5EF4-FFF2-40B4-BE49-F238E27FC236}">
+              <a16:creationId xmlns:a16="http://schemas.microsoft.com/office/drawing/2014/main" id="{F6D873BB-FE85-FB2A-4024-4AAD8D5E7DF6}"/>
+            </a:ext>
+          </a:extLst>
+        </p:cNvPr>
+        <p:cNvGrpSpPr/>
+        <p:nvPr/>
+      </p:nvGrpSpPr>
+      <p:grpSpPr>
+        <a:xfrm>
+          <a:off x="0" y="0"/>
+          <a:ext cx="0" cy="0"/>
+          <a:chOff x="0" y="0"/>
+          <a:chExt cx="0" cy="0"/>
+        </a:xfrm>
+      </p:grpSpPr>
+      <p:sp>
+        <p:nvSpPr>
+          <p:cNvPr id="3" name="Text Placeholder 2">
+            <a:extLst>
+              <a:ext uri="{FF2B5EF4-FFF2-40B4-BE49-F238E27FC236}">
+                <a16:creationId xmlns:a16="http://schemas.microsoft.com/office/drawing/2014/main" id="{91C5437C-0FAA-9CBB-7368-CA07B5765123}"/>
+              </a:ext>
+            </a:extLst>
+          </p:cNvPr>
+          <p:cNvSpPr>
+            <a:spLocks noGrp="1"/>
+          </p:cNvSpPr>
+          <p:nvPr>
+            <p:ph type="body" sz="quarter" idx="13"/>
+          </p:nvPr>
+        </p:nvSpPr>
+        <p:spPr>
+          <a:xfrm>
+            <a:off x="3524251" y="233265"/>
+            <a:ext cx="5384672" cy="6307235"/>
+          </a:xfrm>
+        </p:spPr>
+        <p:txBody>
+          <a:bodyPr anchor="ctr"/>
+          <a:lstStyle/>
+          <a:p>
+            <a:pPr marL="0" indent="0" algn="ctr">
+              <a:buNone/>
+            </a:pPr>
+            <a:r>
+              <a:rPr lang="en-US">
+                <a:solidFill>
+                  <a:schemeClr val="tx2">
+                    <a:lumMod val="50000"/>
+                  </a:schemeClr>
+                </a:solidFill>
+              </a:rPr>
+              <a:t>Chương 3</a:t>
+            </a:r>
+          </a:p>
+          <a:p>
+            <a:pPr marL="0" indent="0" algn="ctr">
+              <a:buNone/>
+            </a:pPr>
+            <a:endParaRPr lang="en-US">
+              <a:solidFill>
+                <a:schemeClr val="tx2">
+                  <a:lumMod val="50000"/>
+                </a:schemeClr>
+              </a:solidFill>
+            </a:endParaRPr>
+          </a:p>
+          <a:p>
+            <a:pPr marL="0" indent="0" algn="ctr">
+              <a:lnSpc>
+                <a:spcPct val="100000"/>
+              </a:lnSpc>
+              <a:buNone/>
+            </a:pPr>
+            <a:r>
+              <a:rPr lang="en-US" sz="3600" b="1">
+                <a:solidFill>
+                  <a:schemeClr val="tx2">
+                    <a:lumMod val="50000"/>
+                  </a:schemeClr>
+                </a:solidFill>
+              </a:rPr>
+              <a:t>CÔNG NGHỆ SỬ DỤNG</a:t>
+            </a:r>
+          </a:p>
+        </p:txBody>
+      </p:sp>
+      <p:sp>
+        <p:nvSpPr>
+          <p:cNvPr id="4" name="Slide Number Placeholder 3">
+            <a:extLst>
+              <a:ext uri="{FF2B5EF4-FFF2-40B4-BE49-F238E27FC236}">
+                <a16:creationId xmlns:a16="http://schemas.microsoft.com/office/drawing/2014/main" id="{7BDF20BE-80FB-25FD-6281-B011D7494422}"/>
+              </a:ext>
+            </a:extLst>
+          </p:cNvPr>
+          <p:cNvSpPr>
+            <a:spLocks noGrp="1"/>
+          </p:cNvSpPr>
+          <p:nvPr>
+            <p:ph type="sldNum" sz="quarter" idx="12"/>
+          </p:nvPr>
+        </p:nvSpPr>
+        <p:spPr/>
+        <p:txBody>
+          <a:bodyPr/>
+          <a:lstStyle/>
+          <a:p>
+            <a:fld id="{9EA0BE3B-158A-4EDF-80DC-E394A0D1600F}" type="slidenum">
+              <a:rPr lang="en-US" smtClean="0"/>
+              <a:pPr/>
+              <a:t>10</a:t>
+            </a:fld>
+            <a:endParaRPr lang="en-US" dirty="0"/>
+          </a:p>
+        </p:txBody>
+      </p:sp>
+    </p:spTree>
+    <p:extLst>
+      <p:ext uri="{BB962C8B-B14F-4D97-AF65-F5344CB8AC3E}">
+        <p14:creationId xmlns:p14="http://schemas.microsoft.com/office/powerpoint/2010/main" val="4248380385"/>
+      </p:ext>
+    </p:extLst>
+  </p:cSld>
+  <p:clrMapOvr>
+    <a:masterClrMapping/>
+  </p:clrMapOvr>
+</p:sld>
+</file>
+
+<file path=ppt/slides/slide11.xml><?xml version="1.0" encoding="utf-8"?>
+<p:sld xmlns:a="http://schemas.openxmlformats.org/drawingml/2006/main" xmlns:r="http://schemas.openxmlformats.org/officeDocument/2006/relationships" xmlns:p="http://schemas.openxmlformats.org/presentationml/2006/main">
+  <p:cSld>
+    <p:spTree>
+      <p:nvGrpSpPr>
+        <p:cNvPr id="1" name="">
+          <a:extLst>
+            <a:ext uri="{FF2B5EF4-FFF2-40B4-BE49-F238E27FC236}">
               <a16:creationId xmlns:a16="http://schemas.microsoft.com/office/drawing/2014/main" id="{FEE19759-36F7-9EE8-8521-05EA3994247D}"/>
             </a:ext>
           </a:extLst>
@@ -2509,7 +2645,7 @@
             <a:fld id="{9EA0BE3B-158A-4EDF-80DC-E394A0D1600F}" type="slidenum">
               <a:rPr lang="en-US" smtClean="0"/>
               <a:pPr/>
-              <a:t>10</a:t>
+              <a:t>11</a:t>
             </a:fld>
             <a:endParaRPr lang="en-US" dirty="0"/>
           </a:p>
@@ -2697,7 +2833,7 @@
 </p:sld>
 </file>
 
-<file path=ppt/slides/slide11.xml><?xml version="1.0" encoding="utf-8"?>
+<file path=ppt/slides/slide12.xml><?xml version="1.0" encoding="utf-8"?>
 <p:sld xmlns:a="http://schemas.openxmlformats.org/drawingml/2006/main" xmlns:r="http://schemas.openxmlformats.org/officeDocument/2006/relationships" xmlns:p="http://schemas.openxmlformats.org/presentationml/2006/main">
   <p:cSld>
     <p:spTree>
@@ -2816,7 +2952,7 @@
             <a:fld id="{9EA0BE3B-158A-4EDF-80DC-E394A0D1600F}" type="slidenum">
               <a:rPr lang="en-US" smtClean="0"/>
               <a:pPr/>
-              <a:t>11</a:t>
+              <a:t>12</a:t>
             </a:fld>
             <a:endParaRPr lang="en-US" dirty="0"/>
           </a:p>
@@ -2835,7 +2971,7 @@
 </p:sld>
 </file>
 
-<file path=ppt/slides/slide12.xml><?xml version="1.0" encoding="utf-8"?>
+<file path=ppt/slides/slide13.xml><?xml version="1.0" encoding="utf-8"?>
 <p:sld xmlns:a="http://schemas.openxmlformats.org/drawingml/2006/main" xmlns:r="http://schemas.openxmlformats.org/officeDocument/2006/relationships" xmlns:p="http://schemas.openxmlformats.org/presentationml/2006/main">
   <p:cSld>
     <p:spTree>
@@ -2882,7 +3018,7 @@
             <a:fld id="{9EA0BE3B-158A-4EDF-80DC-E394A0D1600F}" type="slidenum">
               <a:rPr lang="en-US" smtClean="0"/>
               <a:pPr/>
-              <a:t>12</a:t>
+              <a:t>13</a:t>
             </a:fld>
             <a:endParaRPr lang="en-US" dirty="0"/>
           </a:p>
@@ -3001,7 +3137,7 @@
 </p:sld>
 </file>
 
-<file path=ppt/slides/slide13.xml><?xml version="1.0" encoding="utf-8"?>
+<file path=ppt/slides/slide14.xml><?xml version="1.0" encoding="utf-8"?>
 <p:sld xmlns:a="http://schemas.openxmlformats.org/drawingml/2006/main" xmlns:r="http://schemas.openxmlformats.org/officeDocument/2006/relationships" xmlns:p="http://schemas.openxmlformats.org/presentationml/2006/main">
   <p:cSld>
     <p:spTree>
@@ -3048,7 +3184,7 @@
             <a:fld id="{9EA0BE3B-158A-4EDF-80DC-E394A0D1600F}" type="slidenum">
               <a:rPr lang="en-US" smtClean="0"/>
               <a:pPr/>
-              <a:t>13</a:t>
+              <a:t>14</a:t>
             </a:fld>
             <a:endParaRPr lang="en-US" dirty="0"/>
           </a:p>
@@ -3131,7 +3267,7 @@
 </p:sld>
 </file>
 
-<file path=ppt/slides/slide14.xml><?xml version="1.0" encoding="utf-8"?>
+<file path=ppt/slides/slide15.xml><?xml version="1.0" encoding="utf-8"?>
 <p:sld xmlns:a="http://schemas.openxmlformats.org/drawingml/2006/main" xmlns:r="http://schemas.openxmlformats.org/officeDocument/2006/relationships" xmlns:p="http://schemas.openxmlformats.org/presentationml/2006/main">
   <p:cSld>
     <p:spTree>
@@ -3178,7 +3314,7 @@
             <a:fld id="{9EA0BE3B-158A-4EDF-80DC-E394A0D1600F}" type="slidenum">
               <a:rPr lang="en-US" smtClean="0"/>
               <a:pPr/>
-              <a:t>14</a:t>
+              <a:t>15</a:t>
             </a:fld>
             <a:endParaRPr lang="en-US" dirty="0"/>
           </a:p>
@@ -3261,7 +3397,7 @@
 </p:sld>
 </file>
 
-<file path=ppt/slides/slide15.xml><?xml version="1.0" encoding="utf-8"?>
+<file path=ppt/slides/slide16.xml><?xml version="1.0" encoding="utf-8"?>
 <p:sld xmlns:a="http://schemas.openxmlformats.org/drawingml/2006/main" xmlns:r="http://schemas.openxmlformats.org/officeDocument/2006/relationships" xmlns:p="http://schemas.openxmlformats.org/presentationml/2006/main">
   <p:cSld>
     <p:spTree>
@@ -3308,7 +3444,7 @@
             <a:fld id="{9EA0BE3B-158A-4EDF-80DC-E394A0D1600F}" type="slidenum">
               <a:rPr lang="en-US" smtClean="0"/>
               <a:pPr/>
-              <a:t>15</a:t>
+              <a:t>16</a:t>
             </a:fld>
             <a:endParaRPr lang="en-US" dirty="0"/>
           </a:p>
@@ -3386,8 +3522,8 @@
         </p:nvSpPr>
         <p:spPr>
           <a:xfrm>
-            <a:off x="1857153" y="2243680"/>
-            <a:ext cx="5429692" cy="461665"/>
+            <a:off x="1600672" y="2223503"/>
+            <a:ext cx="5942652" cy="461665"/>
           </a:xfrm>
           <a:prstGeom prst="rect">
             <a:avLst/>
@@ -3406,7 +3542,7 @@
                 <a:ea typeface="Lato" panose="020F0502020204030203" pitchFamily="34" charset="0"/>
                 <a:cs typeface="Lato" panose="020F0502020204030203" pitchFamily="34" charset="0"/>
               </a:rPr>
-              <a:t>Phương thức authenticate() trong Staff</a:t>
+              <a:t>Phương thức authenticate() trong lớp Staff</a:t>
             </a:r>
           </a:p>
         </p:txBody>
@@ -3455,8 +3591,8 @@
         </p:nvSpPr>
         <p:spPr>
           <a:xfrm>
-            <a:off x="1702463" y="6004308"/>
-            <a:ext cx="5739072" cy="461665"/>
+            <a:off x="1445982" y="6004308"/>
+            <a:ext cx="6252033" cy="461665"/>
           </a:xfrm>
           <a:prstGeom prst="rect">
             <a:avLst/>
@@ -3475,7 +3611,7 @@
                 <a:ea typeface="Lato" panose="020F0502020204030203" pitchFamily="34" charset="0"/>
                 <a:cs typeface="Lato" panose="020F0502020204030203" pitchFamily="34" charset="0"/>
               </a:rPr>
-              <a:t>Phương thức authenticate() trong Doctor</a:t>
+              <a:t>Phương thức authenticate() trong lớp Doctor</a:t>
             </a:r>
           </a:p>
         </p:txBody>
@@ -3493,7 +3629,7 @@
 </p:sld>
 </file>
 
-<file path=ppt/slides/slide16.xml><?xml version="1.0" encoding="utf-8"?>
+<file path=ppt/slides/slide17.xml><?xml version="1.0" encoding="utf-8"?>
 <p:sld xmlns:a="http://schemas.openxmlformats.org/drawingml/2006/main" xmlns:r="http://schemas.openxmlformats.org/officeDocument/2006/relationships" xmlns:p="http://schemas.openxmlformats.org/presentationml/2006/main">
   <p:cSld>
     <p:spTree>
@@ -3612,7 +3748,7 @@
             <a:fld id="{9EA0BE3B-158A-4EDF-80DC-E394A0D1600F}" type="slidenum">
               <a:rPr lang="en-US" smtClean="0"/>
               <a:pPr/>
-              <a:t>16</a:t>
+              <a:t>17</a:t>
             </a:fld>
             <a:endParaRPr lang="en-US" dirty="0"/>
           </a:p>
@@ -3631,7 +3767,7 @@
 </p:sld>
 </file>
 
-<file path=ppt/slides/slide17.xml><?xml version="1.0" encoding="utf-8"?>
+<file path=ppt/slides/slide18.xml><?xml version="1.0" encoding="utf-8"?>
 <p:sld xmlns:a="http://schemas.openxmlformats.org/drawingml/2006/main" xmlns:r="http://schemas.openxmlformats.org/officeDocument/2006/relationships" xmlns:p="http://schemas.openxmlformats.org/presentationml/2006/main">
   <p:cSld>
     <p:spTree>
@@ -3672,7 +3808,7 @@
             <a:fld id="{9EA0BE3B-158A-4EDF-80DC-E394A0D1600F}" type="slidenum">
               <a:rPr lang="en-US" smtClean="0"/>
               <a:pPr/>
-              <a:t>17</a:t>
+              <a:t>18</a:t>
             </a:fld>
             <a:endParaRPr lang="en-US" dirty="0"/>
           </a:p>
@@ -4399,7 +4535,7 @@
             </a:r>
             <a:r>
               <a:rPr lang="en-US"/>
-              <a:t>: Người quản trị và bác sỹ của các bệnh viện, phòng khám, trung tâm y tế tư nhân.</a:t>
+              <a:t>: Người quản trị và bác sỹ của các bệnh viện, phòng khám, trung tâm y tế.</a:t>
             </a:r>
           </a:p>
         </p:txBody>
@@ -4921,10 +5057,10 @@
       </p:sp>
       <p:pic>
         <p:nvPicPr>
-          <p:cNvPr id="9" name="Graphic 8">
-            <a:extLst>
-              <a:ext uri="{FF2B5EF4-FFF2-40B4-BE49-F238E27FC236}">
-                <a16:creationId xmlns:a16="http://schemas.microsoft.com/office/drawing/2014/main" id="{1579C5EC-DD30-BA34-7556-BEAB90181EEC}"/>
+          <p:cNvPr id="5" name="Picture 4" descr="A diagram of a company&#10;&#10;Description automatically generated">
+            <a:extLst>
+              <a:ext uri="{FF2B5EF4-FFF2-40B4-BE49-F238E27FC236}">
+                <a16:creationId xmlns:a16="http://schemas.microsoft.com/office/drawing/2014/main" id="{6F21DE1C-AE43-DADE-E970-4A2FD50DE5C7}"/>
               </a:ext>
             </a:extLst>
           </p:cNvPr>
@@ -4936,18 +5072,19 @@
         <p:blipFill>
           <a:blip r:embed="rId2">
             <a:extLst>
-              <a:ext uri="{96DAC541-7B7A-43D3-8B79-37D633B846F1}">
-                <asvg:svgBlip xmlns:asvg="http://schemas.microsoft.com/office/drawing/2016/SVG/main" r:embed="rId3"/>
+              <a:ext uri="{28A0092B-C50C-407E-A947-70E740481C1C}">
+                <a14:useLocalDpi xmlns:a14="http://schemas.microsoft.com/office/drawing/2010/main" val="0"/>
               </a:ext>
             </a:extLst>
           </a:blip>
-          <a:srcRect t="7756" b="41850"/>
-          <a:stretch/>
+          <a:stretch>
+            <a:fillRect/>
+          </a:stretch>
         </p:blipFill>
         <p:spPr>
           <a:xfrm>
-            <a:off x="1073019" y="959131"/>
-            <a:ext cx="6997962" cy="4939738"/>
+            <a:off x="619432" y="832494"/>
+            <a:ext cx="8160774" cy="5645296"/>
           </a:xfrm>
           <a:prstGeom prst="rect">
             <a:avLst/>
@@ -4975,7 +5112,7 @@
         <p:cNvPr id="1" name="">
           <a:extLst>
             <a:ext uri="{FF2B5EF4-FFF2-40B4-BE49-F238E27FC236}">
-              <a16:creationId xmlns:a16="http://schemas.microsoft.com/office/drawing/2014/main" id="{F6D873BB-FE85-FB2A-4024-4AAD8D5E7DF6}"/>
+              <a16:creationId xmlns:a16="http://schemas.microsoft.com/office/drawing/2014/main" id="{EE82D093-964C-CFB7-5582-1043F146575D}"/>
             </a:ext>
           </a:extLst>
         </p:cNvPr>
@@ -4992,82 +5129,10 @@
       </p:grpSpPr>
       <p:sp>
         <p:nvSpPr>
-          <p:cNvPr id="3" name="Text Placeholder 2">
-            <a:extLst>
-              <a:ext uri="{FF2B5EF4-FFF2-40B4-BE49-F238E27FC236}">
-                <a16:creationId xmlns:a16="http://schemas.microsoft.com/office/drawing/2014/main" id="{91C5437C-0FAA-9CBB-7368-CA07B5765123}"/>
-              </a:ext>
-            </a:extLst>
-          </p:cNvPr>
-          <p:cNvSpPr>
-            <a:spLocks noGrp="1"/>
-          </p:cNvSpPr>
-          <p:nvPr>
-            <p:ph type="body" sz="quarter" idx="13"/>
-          </p:nvPr>
-        </p:nvSpPr>
-        <p:spPr>
-          <a:xfrm>
-            <a:off x="3524251" y="233265"/>
-            <a:ext cx="5384672" cy="6307235"/>
-          </a:xfrm>
-        </p:spPr>
-        <p:txBody>
-          <a:bodyPr anchor="ctr"/>
-          <a:lstStyle/>
-          <a:p>
-            <a:pPr marL="0" indent="0" algn="ctr">
-              <a:buNone/>
-            </a:pPr>
-            <a:r>
-              <a:rPr lang="en-US">
-                <a:solidFill>
-                  <a:schemeClr val="tx2">
-                    <a:lumMod val="50000"/>
-                  </a:schemeClr>
-                </a:solidFill>
-              </a:rPr>
-              <a:t>Chương 3</a:t>
-            </a:r>
-          </a:p>
-          <a:p>
-            <a:pPr marL="0" indent="0" algn="ctr">
-              <a:buNone/>
-            </a:pPr>
-            <a:endParaRPr lang="en-US">
-              <a:solidFill>
-                <a:schemeClr val="tx2">
-                  <a:lumMod val="50000"/>
-                </a:schemeClr>
-              </a:solidFill>
-            </a:endParaRPr>
-          </a:p>
-          <a:p>
-            <a:pPr marL="0" indent="0" algn="ctr">
-              <a:lnSpc>
-                <a:spcPct val="100000"/>
-              </a:lnSpc>
-              <a:buNone/>
-            </a:pPr>
-            <a:r>
-              <a:rPr lang="en-US" sz="3600" b="1">
-                <a:solidFill>
-                  <a:schemeClr val="tx2">
-                    <a:lumMod val="50000"/>
-                  </a:schemeClr>
-                </a:solidFill>
-              </a:rPr>
-              <a:t>CÔNG NGHỆ SỬ DỤNG</a:t>
-            </a:r>
-          </a:p>
-        </p:txBody>
-      </p:sp>
-      <p:sp>
-        <p:nvSpPr>
-          <p:cNvPr id="4" name="Slide Number Placeholder 3">
-            <a:extLst>
-              <a:ext uri="{FF2B5EF4-FFF2-40B4-BE49-F238E27FC236}">
-                <a16:creationId xmlns:a16="http://schemas.microsoft.com/office/drawing/2014/main" id="{7BDF20BE-80FB-25FD-6281-B011D7494422}"/>
+          <p:cNvPr id="2" name="Slide Number Placeholder 1">
+            <a:extLst>
+              <a:ext uri="{FF2B5EF4-FFF2-40B4-BE49-F238E27FC236}">
+                <a16:creationId xmlns:a16="http://schemas.microsoft.com/office/drawing/2014/main" id="{64E94DDE-8CF3-96A2-877B-036283D5ADA4}"/>
               </a:ext>
             </a:extLst>
           </p:cNvPr>
@@ -5092,10 +5157,73 @@
           </a:p>
         </p:txBody>
       </p:sp>
+      <p:sp>
+        <p:nvSpPr>
+          <p:cNvPr id="3" name="Title 2">
+            <a:extLst>
+              <a:ext uri="{FF2B5EF4-FFF2-40B4-BE49-F238E27FC236}">
+                <a16:creationId xmlns:a16="http://schemas.microsoft.com/office/drawing/2014/main" id="{4F7C3D58-24B4-E946-1B66-A51984F6149A}"/>
+              </a:ext>
+            </a:extLst>
+          </p:cNvPr>
+          <p:cNvSpPr>
+            <a:spLocks noGrp="1"/>
+          </p:cNvSpPr>
+          <p:nvPr>
+            <p:ph type="title"/>
+          </p:nvPr>
+        </p:nvSpPr>
+        <p:spPr/>
+        <p:txBody>
+          <a:bodyPr/>
+          <a:lstStyle/>
+          <a:p>
+            <a:r>
+              <a:rPr lang="en-US"/>
+              <a:t>2.2. Thiết kế cơ sở dữ liệu</a:t>
+            </a:r>
+          </a:p>
+        </p:txBody>
+      </p:sp>
+      <p:pic>
+        <p:nvPicPr>
+          <p:cNvPr id="9" name="Graphic 8">
+            <a:extLst>
+              <a:ext uri="{FF2B5EF4-FFF2-40B4-BE49-F238E27FC236}">
+                <a16:creationId xmlns:a16="http://schemas.microsoft.com/office/drawing/2014/main" id="{89A2A2B8-C63B-7810-F246-CE0284BEA6ED}"/>
+              </a:ext>
+            </a:extLst>
+          </p:cNvPr>
+          <p:cNvPicPr>
+            <a:picLocks noChangeAspect="1"/>
+          </p:cNvPicPr>
+          <p:nvPr/>
+        </p:nvPicPr>
+        <p:blipFill>
+          <a:blip r:embed="rId2">
+            <a:extLst>
+              <a:ext uri="{96DAC541-7B7A-43D3-8B79-37D633B846F1}">
+                <asvg:svgBlip xmlns:asvg="http://schemas.microsoft.com/office/drawing/2016/SVG/main" r:embed="rId3"/>
+              </a:ext>
+            </a:extLst>
+          </a:blip>
+          <a:srcRect t="7756" b="41850"/>
+          <a:stretch/>
+        </p:blipFill>
+        <p:spPr>
+          <a:xfrm>
+            <a:off x="1073019" y="959131"/>
+            <a:ext cx="6997962" cy="4939738"/>
+          </a:xfrm>
+          <a:prstGeom prst="rect">
+            <a:avLst/>
+          </a:prstGeom>
+        </p:spPr>
+      </p:pic>
     </p:spTree>
     <p:extLst>
       <p:ext uri="{BB962C8B-B14F-4D97-AF65-F5344CB8AC3E}">
-        <p14:creationId xmlns:p14="http://schemas.microsoft.com/office/powerpoint/2010/main" val="4248380385"/>
+        <p14:creationId xmlns:p14="http://schemas.microsoft.com/office/powerpoint/2010/main" val="2820911864"/>
       </p:ext>
     </p:extLst>
   </p:cSld>
